--- a/NLP Presentation.pptx
+++ b/NLP Presentation.pptx
@@ -13,12 +13,14 @@
     <p:sldId id="261" r:id="rId7"/>
     <p:sldId id="262" r:id="rId8"/>
     <p:sldId id="263" r:id="rId9"/>
-    <p:sldId id="264" r:id="rId10"/>
-    <p:sldId id="265" r:id="rId11"/>
-    <p:sldId id="266" r:id="rId12"/>
-    <p:sldId id="267" r:id="rId13"/>
-    <p:sldId id="268" r:id="rId14"/>
-    <p:sldId id="269" r:id="rId15"/>
+    <p:sldId id="265" r:id="rId10"/>
+    <p:sldId id="266" r:id="rId11"/>
+    <p:sldId id="267" r:id="rId12"/>
+    <p:sldId id="270" r:id="rId13"/>
+    <p:sldId id="271" r:id="rId14"/>
+    <p:sldId id="268" r:id="rId15"/>
+    <p:sldId id="269" r:id="rId16"/>
+    <p:sldId id="272" r:id="rId17"/>
   </p:sldIdLst>
   <p:sldSz cx="12192000" cy="6858000"/>
   <p:notesSz cx="6858000" cy="9144000"/>
@@ -311,7 +313,7 @@
           <a:p>
             <a:fld id="{2A79398D-CE2A-46A4-9B1F-718C111F6241}" type="datetimeFigureOut">
               <a:rPr lang="en-US" smtClean="0"/>
-              <a:t>3/20/2022</a:t>
+              <a:t>3/22/2022</a:t>
             </a:fld>
             <a:endParaRPr lang="en-US"/>
           </a:p>
@@ -586,7 +588,7 @@
           <a:p>
             <a:fld id="{2A79398D-CE2A-46A4-9B1F-718C111F6241}" type="datetimeFigureOut">
               <a:rPr lang="en-US" smtClean="0"/>
-              <a:t>3/20/2022</a:t>
+              <a:t>3/22/2022</a:t>
             </a:fld>
             <a:endParaRPr lang="en-US"/>
           </a:p>
@@ -780,7 +782,7 @@
           <a:p>
             <a:fld id="{2A79398D-CE2A-46A4-9B1F-718C111F6241}" type="datetimeFigureOut">
               <a:rPr lang="en-US" smtClean="0"/>
-              <a:t>3/20/2022</a:t>
+              <a:t>3/22/2022</a:t>
             </a:fld>
             <a:endParaRPr lang="en-US"/>
           </a:p>
@@ -1053,7 +1055,7 @@
           <a:p>
             <a:fld id="{2A79398D-CE2A-46A4-9B1F-718C111F6241}" type="datetimeFigureOut">
               <a:rPr lang="en-US" smtClean="0"/>
-              <a:t>3/20/2022</a:t>
+              <a:t>3/22/2022</a:t>
             </a:fld>
             <a:endParaRPr lang="en-US"/>
           </a:p>
@@ -1394,7 +1396,7 @@
           <a:p>
             <a:fld id="{2A79398D-CE2A-46A4-9B1F-718C111F6241}" type="datetimeFigureOut">
               <a:rPr lang="en-US" smtClean="0"/>
-              <a:t>3/20/2022</a:t>
+              <a:t>3/22/2022</a:t>
             </a:fld>
             <a:endParaRPr lang="en-US"/>
           </a:p>
@@ -2017,7 +2019,7 @@
           <a:p>
             <a:fld id="{2A79398D-CE2A-46A4-9B1F-718C111F6241}" type="datetimeFigureOut">
               <a:rPr lang="en-US" smtClean="0"/>
-              <a:t>3/20/2022</a:t>
+              <a:t>3/22/2022</a:t>
             </a:fld>
             <a:endParaRPr lang="en-US"/>
           </a:p>
@@ -2877,7 +2879,7 @@
           <a:p>
             <a:fld id="{2A79398D-CE2A-46A4-9B1F-718C111F6241}" type="datetimeFigureOut">
               <a:rPr lang="en-US" smtClean="0"/>
-              <a:t>3/20/2022</a:t>
+              <a:t>3/22/2022</a:t>
             </a:fld>
             <a:endParaRPr lang="en-US"/>
           </a:p>
@@ -3047,7 +3049,7 @@
           <a:p>
             <a:fld id="{2A79398D-CE2A-46A4-9B1F-718C111F6241}" type="datetimeFigureOut">
               <a:rPr lang="en-US" smtClean="0"/>
-              <a:t>3/20/2022</a:t>
+              <a:t>3/22/2022</a:t>
             </a:fld>
             <a:endParaRPr lang="en-US"/>
           </a:p>
@@ -3227,7 +3229,7 @@
           <a:p>
             <a:fld id="{2A79398D-CE2A-46A4-9B1F-718C111F6241}" type="datetimeFigureOut">
               <a:rPr lang="en-US" smtClean="0"/>
-              <a:t>3/20/2022</a:t>
+              <a:t>3/22/2022</a:t>
             </a:fld>
             <a:endParaRPr lang="en-US"/>
           </a:p>
@@ -3397,7 +3399,7 @@
           <a:p>
             <a:fld id="{2A79398D-CE2A-46A4-9B1F-718C111F6241}" type="datetimeFigureOut">
               <a:rPr lang="en-US" smtClean="0"/>
-              <a:t>3/20/2022</a:t>
+              <a:t>3/22/2022</a:t>
             </a:fld>
             <a:endParaRPr lang="en-US"/>
           </a:p>
@@ -3644,7 +3646,7 @@
           <a:p>
             <a:fld id="{2A79398D-CE2A-46A4-9B1F-718C111F6241}" type="datetimeFigureOut">
               <a:rPr lang="en-US" smtClean="0"/>
-              <a:t>3/20/2022</a:t>
+              <a:t>3/22/2022</a:t>
             </a:fld>
             <a:endParaRPr lang="en-US"/>
           </a:p>
@@ -3936,7 +3938,7 @@
           <a:p>
             <a:fld id="{2A79398D-CE2A-46A4-9B1F-718C111F6241}" type="datetimeFigureOut">
               <a:rPr lang="en-US" smtClean="0"/>
-              <a:t>3/20/2022</a:t>
+              <a:t>3/22/2022</a:t>
             </a:fld>
             <a:endParaRPr lang="en-US"/>
           </a:p>
@@ -4380,7 +4382,7 @@
           <a:p>
             <a:fld id="{2A79398D-CE2A-46A4-9B1F-718C111F6241}" type="datetimeFigureOut">
               <a:rPr lang="en-US" smtClean="0"/>
-              <a:t>3/20/2022</a:t>
+              <a:t>3/22/2022</a:t>
             </a:fld>
             <a:endParaRPr lang="en-US"/>
           </a:p>
@@ -4498,7 +4500,7 @@
           <a:p>
             <a:fld id="{2A79398D-CE2A-46A4-9B1F-718C111F6241}" type="datetimeFigureOut">
               <a:rPr lang="en-US" smtClean="0"/>
-              <a:t>3/20/2022</a:t>
+              <a:t>3/22/2022</a:t>
             </a:fld>
             <a:endParaRPr lang="en-US"/>
           </a:p>
@@ -4593,7 +4595,7 @@
           <a:p>
             <a:fld id="{2A79398D-CE2A-46A4-9B1F-718C111F6241}" type="datetimeFigureOut">
               <a:rPr lang="en-US" smtClean="0"/>
-              <a:t>3/20/2022</a:t>
+              <a:t>3/22/2022</a:t>
             </a:fld>
             <a:endParaRPr lang="en-US"/>
           </a:p>
@@ -4872,7 +4874,7 @@
           <a:p>
             <a:fld id="{2A79398D-CE2A-46A4-9B1F-718C111F6241}" type="datetimeFigureOut">
               <a:rPr lang="en-US" smtClean="0"/>
-              <a:t>3/20/2022</a:t>
+              <a:t>3/22/2022</a:t>
             </a:fld>
             <a:endParaRPr lang="en-US"/>
           </a:p>
@@ -5147,7 +5149,7 @@
           <a:p>
             <a:fld id="{2A79398D-CE2A-46A4-9B1F-718C111F6241}" type="datetimeFigureOut">
               <a:rPr lang="en-US" smtClean="0"/>
-              <a:t>3/20/2022</a:t>
+              <a:t>3/22/2022</a:t>
             </a:fld>
             <a:endParaRPr lang="en-US"/>
           </a:p>
@@ -5576,7 +5578,7 @@
           <a:p>
             <a:fld id="{2A79398D-CE2A-46A4-9B1F-718C111F6241}" type="datetimeFigureOut">
               <a:rPr lang="en-US" smtClean="0"/>
-              <a:t>3/20/2022</a:t>
+              <a:t>3/22/2022</a:t>
             </a:fld>
             <a:endParaRPr lang="en-US"/>
           </a:p>
@@ -6176,7 +6178,7 @@
                 <a:latin typeface="Times New Roman" panose="02020603050405020304" pitchFamily="18" charset="0"/>
                 <a:ea typeface="Times New Roman" panose="02020603050405020304" pitchFamily="18" charset="0"/>
               </a:rPr>
-              <a:t>Natural Language Processing</a:t>
+              <a:t>A State of Art for Semantic Analysis of Natural Language Processing</a:t>
             </a:r>
           </a:p>
         </p:txBody>
@@ -6216,7 +6218,7 @@
           <p:cNvPr id="2" name="Title 1">
             <a:extLst>
               <a:ext uri="{FF2B5EF4-FFF2-40B4-BE49-F238E27FC236}">
-                <a16:creationId xmlns:a16="http://schemas.microsoft.com/office/drawing/2014/main" id="{C3681C47-D9AC-4FD4-8DA4-2525521A2243}"/>
+                <a16:creationId xmlns:a16="http://schemas.microsoft.com/office/drawing/2014/main" id="{16680DBE-88BA-4A15-8F68-D042ACA52117}"/>
               </a:ext>
             </a:extLst>
           </p:cNvPr>
@@ -6227,7 +6229,12 @@
             <p:ph type="title"/>
           </p:nvPr>
         </p:nvSpPr>
-        <p:spPr/>
+        <p:spPr>
+          <a:xfrm>
+            <a:off x="646111" y="452718"/>
+            <a:ext cx="9404723" cy="878932"/>
+          </a:xfrm>
+        </p:spPr>
         <p:txBody>
           <a:bodyPr>
             <a:normAutofit/>
@@ -6239,7 +6246,7 @@
                 <a:latin typeface="Times New Roman" panose="02020603050405020304" pitchFamily="18" charset="0"/>
                 <a:cs typeface="Times New Roman" panose="02020603050405020304" pitchFamily="18" charset="0"/>
               </a:rPr>
-              <a:t>Example</a:t>
+              <a:t>Explanation of example</a:t>
             </a:r>
           </a:p>
         </p:txBody>
@@ -6249,7 +6256,7 @@
           <p:cNvPr id="3" name="Content Placeholder 2">
             <a:extLst>
               <a:ext uri="{FF2B5EF4-FFF2-40B4-BE49-F238E27FC236}">
-                <a16:creationId xmlns:a16="http://schemas.microsoft.com/office/drawing/2014/main" id="{6C8E52CE-0EB1-4C95-998D-D00A5CBF5BD7}"/>
+                <a16:creationId xmlns:a16="http://schemas.microsoft.com/office/drawing/2014/main" id="{A446716F-BA54-4F65-A755-D3E4E57A863F}"/>
               </a:ext>
             </a:extLst>
           </p:cNvPr>
@@ -6263,60 +6270,139 @@
         <p:spPr/>
         <p:txBody>
           <a:bodyPr>
-            <a:normAutofit lnSpcReduction="10000"/>
+            <a:normAutofit fontScale="92500" lnSpcReduction="20000"/>
           </a:bodyPr>
           <a:lstStyle/>
           <a:p>
             <a:r>
-              <a:rPr lang="en-US" sz="1800" dirty="0">
-                <a:solidFill>
-                  <a:srgbClr val="010202"/>
-                </a:solidFill>
-                <a:effectLst/>
-                <a:latin typeface="Times New Roman" panose="02020603050405020304" pitchFamily="18" charset="0"/>
-                <a:ea typeface="Times New Roman" panose="02020603050405020304" pitchFamily="18" charset="0"/>
-              </a:rPr>
-              <a:t>In order to classify human emotions, the developed system includes a few major steps.</a:t>
-            </a:r>
-          </a:p>
-          <a:p>
-            <a:pPr>
-              <a:buFont typeface="Wingdings" panose="05000000000000000000" pitchFamily="2" charset="2"/>
-              <a:buChar char="Ø"/>
-            </a:pPr>
-            <a:r>
-              <a:rPr lang="en-US" sz="1800" dirty="0">
-                <a:solidFill>
-                  <a:srgbClr val="010202"/>
-                </a:solidFill>
-                <a:effectLst/>
-                <a:latin typeface="Times New Roman" panose="02020603050405020304" pitchFamily="18" charset="0"/>
-                <a:ea typeface="Times New Roman" panose="02020603050405020304" pitchFamily="18" charset="0"/>
-              </a:rPr>
-              <a:t> As the first step, the system collects Facebook comments on a particular business page, which is already published. </a:t>
-            </a:r>
-          </a:p>
-          <a:p>
-            <a:pPr>
-              <a:buFont typeface="Wingdings" panose="05000000000000000000" pitchFamily="2" charset="2"/>
-              <a:buChar char="Ø"/>
-            </a:pPr>
-            <a:r>
-              <a:rPr lang="en-US" sz="1800" dirty="0">
-                <a:solidFill>
-                  <a:srgbClr val="010202"/>
-                </a:solidFill>
-                <a:effectLst/>
-                <a:latin typeface="Times New Roman" panose="02020603050405020304" pitchFamily="18" charset="0"/>
-                <a:ea typeface="Times New Roman" panose="02020603050405020304" pitchFamily="18" charset="0"/>
-              </a:rPr>
-              <a:t>The next step is to preprocess</a:t>
+              <a:rPr lang="en-US" sz="1800" i="1" dirty="0">
+                <a:effectLst/>
+                <a:latin typeface="Times New Roman" panose="02020603050405020304" pitchFamily="18" charset="0"/>
+                <a:ea typeface="Times New Roman" panose="02020603050405020304" pitchFamily="18" charset="0"/>
+              </a:rPr>
+              <a:t>Data collection : </a:t>
+            </a:r>
+            <a:r>
+              <a:rPr lang="en-US" sz="1800" dirty="0">
+                <a:effectLst/>
+                <a:latin typeface="Times New Roman" panose="02020603050405020304" pitchFamily="18" charset="0"/>
+                <a:ea typeface="Times New Roman" panose="02020603050405020304" pitchFamily="18" charset="0"/>
+              </a:rPr>
+              <a:t>The very first step of the research was to collect the data or comments of users from Facebook. To do that, Facebook Graph API has been used. Graph API, is an inbuilt API provided by Facebook for their developers. It is a primary way of getting data in and out from the Facebook platform</a:t>
+            </a:r>
+          </a:p>
+          <a:p>
+            <a:endParaRPr lang="en-US" sz="1800" dirty="0">
+              <a:latin typeface="Times New Roman" panose="02020603050405020304" pitchFamily="18" charset="0"/>
+              <a:ea typeface="Times New Roman" panose="02020603050405020304" pitchFamily="18" charset="0"/>
+            </a:endParaRPr>
+          </a:p>
+          <a:p>
+            <a:endParaRPr lang="en-US" sz="1800" dirty="0">
+              <a:effectLst/>
+              <a:latin typeface="Times New Roman" panose="02020603050405020304" pitchFamily="18" charset="0"/>
+              <a:ea typeface="Times New Roman" panose="02020603050405020304" pitchFamily="18" charset="0"/>
+            </a:endParaRPr>
+          </a:p>
+          <a:p>
+            <a:r>
+              <a:rPr lang="en-US" sz="1800" i="1" spc="-5" dirty="0">
+                <a:effectLst/>
+                <a:latin typeface="Times New Roman" panose="02020603050405020304" pitchFamily="18" charset="0"/>
+                <a:ea typeface="Times New Roman" panose="02020603050405020304" pitchFamily="18" charset="0"/>
+              </a:rPr>
+              <a:t>Pre-processing : </a:t>
+            </a:r>
+            <a:r>
+              <a:rPr lang="en-US" sz="1800" dirty="0">
+                <a:effectLst/>
+                <a:latin typeface="Times New Roman" panose="02020603050405020304" pitchFamily="18" charset="0"/>
+                <a:ea typeface="Times New Roman" panose="02020603050405020304" pitchFamily="18" charset="0"/>
+              </a:rPr>
+              <a:t>Once the data have been collected through Graph API, next</a:t>
+            </a:r>
+            <a:r>
+              <a:rPr lang="en-US" sz="1800" spc="-15" dirty="0">
+                <a:effectLst/>
+                <a:latin typeface="Times New Roman" panose="02020603050405020304" pitchFamily="18" charset="0"/>
+                <a:ea typeface="Times New Roman" panose="02020603050405020304" pitchFamily="18" charset="0"/>
+              </a:rPr>
+              <a:t> </a:t>
+            </a:r>
+            <a:r>
+              <a:rPr lang="en-US" sz="1800" dirty="0">
+                <a:effectLst/>
+                <a:latin typeface="Times New Roman" panose="02020603050405020304" pitchFamily="18" charset="0"/>
+                <a:ea typeface="Times New Roman" panose="02020603050405020304" pitchFamily="18" charset="0"/>
+              </a:rPr>
+              <a:t>step</a:t>
+            </a:r>
+            <a:r>
+              <a:rPr lang="en-US" sz="1800" spc="-15" dirty="0">
+                <a:effectLst/>
+                <a:latin typeface="Times New Roman" panose="02020603050405020304" pitchFamily="18" charset="0"/>
+                <a:ea typeface="Times New Roman" panose="02020603050405020304" pitchFamily="18" charset="0"/>
+              </a:rPr>
+              <a:t> </a:t>
+            </a:r>
+            <a:r>
+              <a:rPr lang="en-US" sz="1800" dirty="0">
+                <a:effectLst/>
+                <a:latin typeface="Times New Roman" panose="02020603050405020304" pitchFamily="18" charset="0"/>
+                <a:ea typeface="Times New Roman" panose="02020603050405020304" pitchFamily="18" charset="0"/>
+              </a:rPr>
+              <a:t>was</a:t>
+            </a:r>
+            <a:r>
+              <a:rPr lang="en-US" sz="1800" spc="-35" dirty="0">
+                <a:effectLst/>
+                <a:latin typeface="Times New Roman" panose="02020603050405020304" pitchFamily="18" charset="0"/>
+                <a:ea typeface="Times New Roman" panose="02020603050405020304" pitchFamily="18" charset="0"/>
+              </a:rPr>
+              <a:t> </a:t>
+            </a:r>
+            <a:r>
+              <a:rPr lang="en-US" sz="1800" dirty="0">
+                <a:effectLst/>
+                <a:latin typeface="Times New Roman" panose="02020603050405020304" pitchFamily="18" charset="0"/>
+                <a:ea typeface="Times New Roman" panose="02020603050405020304" pitchFamily="18" charset="0"/>
+              </a:rPr>
+              <a:t>processing</a:t>
+            </a:r>
+            <a:r>
+              <a:rPr lang="en-US" sz="1800" spc="-45" dirty="0">
+                <a:effectLst/>
+                <a:latin typeface="Times New Roman" panose="02020603050405020304" pitchFamily="18" charset="0"/>
+                <a:ea typeface="Times New Roman" panose="02020603050405020304" pitchFamily="18" charset="0"/>
+              </a:rPr>
+              <a:t> </a:t>
+            </a:r>
+            <a:r>
+              <a:rPr lang="en-US" sz="1800" dirty="0">
+                <a:effectLst/>
+                <a:latin typeface="Times New Roman" panose="02020603050405020304" pitchFamily="18" charset="0"/>
+                <a:ea typeface="Times New Roman" panose="02020603050405020304" pitchFamily="18" charset="0"/>
+              </a:rPr>
+              <a:t>them</a:t>
+            </a:r>
+            <a:r>
+              <a:rPr lang="en-US" sz="1800" spc="-20" dirty="0">
+                <a:effectLst/>
+                <a:latin typeface="Times New Roman" panose="02020603050405020304" pitchFamily="18" charset="0"/>
+                <a:ea typeface="Times New Roman" panose="02020603050405020304" pitchFamily="18" charset="0"/>
+              </a:rPr>
+              <a:t> </a:t>
+            </a:r>
+            <a:r>
+              <a:rPr lang="en-US" sz="1800" dirty="0">
+                <a:effectLst/>
+                <a:latin typeface="Times New Roman" panose="02020603050405020304" pitchFamily="18" charset="0"/>
+                <a:ea typeface="Times New Roman" panose="02020603050405020304" pitchFamily="18" charset="0"/>
+              </a:rPr>
+              <a:t>according</a:t>
             </a:r>
             <a:r>
               <a:rPr lang="en-US" sz="1800" spc="-40" dirty="0">
-                <a:solidFill>
-                  <a:srgbClr val="010202"/>
-                </a:solidFill>
                 <a:effectLst/>
                 <a:latin typeface="Times New Roman" panose="02020603050405020304" pitchFamily="18" charset="0"/>
                 <a:ea typeface="Times New Roman" panose="02020603050405020304" pitchFamily="18" charset="0"/>
@@ -6325,9 +6411,22 @@
             </a:r>
             <a:r>
               <a:rPr lang="en-US" sz="1800" dirty="0">
-                <a:solidFill>
-                  <a:srgbClr val="010202"/>
-                </a:solidFill>
+                <a:effectLst/>
+                <a:latin typeface="Times New Roman" panose="02020603050405020304" pitchFamily="18" charset="0"/>
+                <a:ea typeface="Times New Roman" panose="02020603050405020304" pitchFamily="18" charset="0"/>
+              </a:rPr>
+              <a:t>to</a:t>
+            </a:r>
+            <a:r>
+              <a:rPr lang="en-US" sz="1800" spc="-25" dirty="0">
+                <a:effectLst/>
+                <a:latin typeface="Times New Roman" panose="02020603050405020304" pitchFamily="18" charset="0"/>
+                <a:ea typeface="Times New Roman" panose="02020603050405020304" pitchFamily="18" charset="0"/>
+              </a:rPr>
+              <a:t> </a:t>
+            </a:r>
+            <a:r>
+              <a:rPr lang="en-US" sz="1800" dirty="0">
                 <a:effectLst/>
                 <a:latin typeface="Times New Roman" panose="02020603050405020304" pitchFamily="18" charset="0"/>
                 <a:ea typeface="Times New Roman" panose="02020603050405020304" pitchFamily="18" charset="0"/>
@@ -6336,9 +6435,6 @@
             </a:r>
             <a:r>
               <a:rPr lang="en-US" sz="1800" spc="-30" dirty="0">
-                <a:solidFill>
-                  <a:srgbClr val="010202"/>
-                </a:solidFill>
                 <a:effectLst/>
                 <a:latin typeface="Times New Roman" panose="02020603050405020304" pitchFamily="18" charset="0"/>
                 <a:ea typeface="Times New Roman" panose="02020603050405020304" pitchFamily="18" charset="0"/>
@@ -6347,20 +6443,14 @@
             </a:r>
             <a:r>
               <a:rPr lang="en-US" sz="1800" dirty="0">
-                <a:solidFill>
-                  <a:srgbClr val="010202"/>
-                </a:solidFill>
-                <a:effectLst/>
-                <a:latin typeface="Times New Roman" panose="02020603050405020304" pitchFamily="18" charset="0"/>
-                <a:ea typeface="Times New Roman" panose="02020603050405020304" pitchFamily="18" charset="0"/>
-              </a:rPr>
-              <a:t>collected</a:t>
-            </a:r>
-            <a:r>
-              <a:rPr lang="en-US" sz="1800" spc="-20" dirty="0">
-                <a:solidFill>
-                  <a:srgbClr val="010202"/>
-                </a:solidFill>
+                <a:effectLst/>
+                <a:latin typeface="Times New Roman" panose="02020603050405020304" pitchFamily="18" charset="0"/>
+                <a:ea typeface="Times New Roman" panose="02020603050405020304" pitchFamily="18" charset="0"/>
+              </a:rPr>
+              <a:t>common</a:t>
+            </a:r>
+            <a:r>
+              <a:rPr lang="en-US" sz="1800" spc="-30" dirty="0">
                 <a:effectLst/>
                 <a:latin typeface="Times New Roman" panose="02020603050405020304" pitchFamily="18" charset="0"/>
                 <a:ea typeface="Times New Roman" panose="02020603050405020304" pitchFamily="18" charset="0"/>
@@ -6369,20 +6459,14 @@
             </a:r>
             <a:r>
               <a:rPr lang="en-US" sz="1800" dirty="0">
-                <a:solidFill>
-                  <a:srgbClr val="010202"/>
-                </a:solidFill>
-                <a:effectLst/>
-                <a:latin typeface="Times New Roman" panose="02020603050405020304" pitchFamily="18" charset="0"/>
-                <a:ea typeface="Times New Roman" panose="02020603050405020304" pitchFamily="18" charset="0"/>
-              </a:rPr>
-              <a:t>comments</a:t>
-            </a:r>
-            <a:r>
-              <a:rPr lang="en-US" sz="1800" spc="-35" dirty="0">
-                <a:solidFill>
-                  <a:srgbClr val="010202"/>
-                </a:solidFill>
+                <a:effectLst/>
+                <a:latin typeface="Times New Roman" panose="02020603050405020304" pitchFamily="18" charset="0"/>
+                <a:ea typeface="Times New Roman" panose="02020603050405020304" pitchFamily="18" charset="0"/>
+              </a:rPr>
+              <a:t>pre- processing procedures. Those procedures include, eliminating English stop words, removing numbers, removing emoji’s, removing double quotations, slashes, underscores</a:t>
+            </a:r>
+            <a:r>
+              <a:rPr lang="en-US" sz="1800" spc="-10" dirty="0">
                 <a:effectLst/>
                 <a:latin typeface="Times New Roman" panose="02020603050405020304" pitchFamily="18" charset="0"/>
                 <a:ea typeface="Times New Roman" panose="02020603050405020304" pitchFamily="18" charset="0"/>
@@ -6391,560 +6475,84 @@
             </a:r>
             <a:r>
               <a:rPr lang="en-US" sz="1800" dirty="0">
-                <a:solidFill>
-                  <a:srgbClr val="010202"/>
-                </a:solidFill>
-                <a:effectLst/>
-                <a:latin typeface="Times New Roman" panose="02020603050405020304" pitchFamily="18" charset="0"/>
-                <a:ea typeface="Times New Roman" panose="02020603050405020304" pitchFamily="18" charset="0"/>
-              </a:rPr>
-              <a:t>according</a:t>
-            </a:r>
-            <a:r>
-              <a:rPr lang="en-US" sz="1800" spc="-40" dirty="0">
-                <a:solidFill>
-                  <a:srgbClr val="010202"/>
-                </a:solidFill>
-                <a:effectLst/>
-                <a:latin typeface="Times New Roman" panose="02020603050405020304" pitchFamily="18" charset="0"/>
-                <a:ea typeface="Times New Roman" panose="02020603050405020304" pitchFamily="18" charset="0"/>
-              </a:rPr>
-              <a:t> </a:t>
-            </a:r>
-            <a:r>
-              <a:rPr lang="en-US" sz="1800" dirty="0">
-                <a:solidFill>
-                  <a:srgbClr val="010202"/>
-                </a:solidFill>
-                <a:effectLst/>
-                <a:latin typeface="Times New Roman" panose="02020603050405020304" pitchFamily="18" charset="0"/>
-                <a:ea typeface="Times New Roman" panose="02020603050405020304" pitchFamily="18" charset="0"/>
-              </a:rPr>
-              <a:t>to</a:t>
-            </a:r>
-            <a:r>
-              <a:rPr lang="en-US" sz="1800" spc="-20" dirty="0">
-                <a:solidFill>
-                  <a:srgbClr val="010202"/>
-                </a:solidFill>
-                <a:effectLst/>
-                <a:latin typeface="Times New Roman" panose="02020603050405020304" pitchFamily="18" charset="0"/>
-                <a:ea typeface="Times New Roman" panose="02020603050405020304" pitchFamily="18" charset="0"/>
-              </a:rPr>
-              <a:t> </a:t>
-            </a:r>
-            <a:r>
-              <a:rPr lang="en-US" sz="1800" dirty="0">
-                <a:solidFill>
-                  <a:srgbClr val="010202"/>
-                </a:solidFill>
-                <a:effectLst/>
-                <a:latin typeface="Times New Roman" panose="02020603050405020304" pitchFamily="18" charset="0"/>
-                <a:ea typeface="Times New Roman" panose="02020603050405020304" pitchFamily="18" charset="0"/>
-              </a:rPr>
-              <a:t>the</a:t>
-            </a:r>
-            <a:r>
-              <a:rPr lang="en-US" sz="1800" spc="-25" dirty="0">
-                <a:solidFill>
-                  <a:srgbClr val="010202"/>
-                </a:solidFill>
-                <a:effectLst/>
-                <a:latin typeface="Times New Roman" panose="02020603050405020304" pitchFamily="18" charset="0"/>
-                <a:ea typeface="Times New Roman" panose="02020603050405020304" pitchFamily="18" charset="0"/>
-              </a:rPr>
-              <a:t> </a:t>
-            </a:r>
-            <a:r>
-              <a:rPr lang="en-US" sz="1800" dirty="0">
-                <a:solidFill>
-                  <a:srgbClr val="010202"/>
-                </a:solidFill>
-                <a:effectLst/>
-                <a:latin typeface="Times New Roman" panose="02020603050405020304" pitchFamily="18" charset="0"/>
-                <a:ea typeface="Times New Roman" panose="02020603050405020304" pitchFamily="18" charset="0"/>
-              </a:rPr>
-              <a:t>common pre-processing procedures. </a:t>
-            </a:r>
-          </a:p>
-          <a:p>
-            <a:pPr>
-              <a:buFont typeface="Wingdings" panose="05000000000000000000" pitchFamily="2" charset="2"/>
-              <a:buChar char="Ø"/>
-            </a:pPr>
-            <a:r>
-              <a:rPr lang="en-US" sz="1800" dirty="0">
-                <a:solidFill>
-                  <a:srgbClr val="010202"/>
-                </a:solidFill>
-                <a:effectLst/>
-                <a:latin typeface="Times New Roman" panose="02020603050405020304" pitchFamily="18" charset="0"/>
-                <a:ea typeface="Times New Roman" panose="02020603050405020304" pitchFamily="18" charset="0"/>
-              </a:rPr>
-              <a:t>As the third step, the system processes a critical step which is called classification. To do that, a classification model is created using the machine learning algorithm; Naïve Bayes. Apart from that, the model is</a:t>
-            </a:r>
-            <a:r>
-              <a:rPr lang="en-US" sz="1800" spc="-65" dirty="0">
-                <a:solidFill>
-                  <a:srgbClr val="010202"/>
-                </a:solidFill>
-                <a:effectLst/>
-                <a:latin typeface="Times New Roman" panose="02020603050405020304" pitchFamily="18" charset="0"/>
-                <a:ea typeface="Times New Roman" panose="02020603050405020304" pitchFamily="18" charset="0"/>
-              </a:rPr>
-              <a:t> </a:t>
-            </a:r>
-            <a:r>
-              <a:rPr lang="en-US" sz="1800" dirty="0">
-                <a:solidFill>
-                  <a:srgbClr val="010202"/>
-                </a:solidFill>
-                <a:effectLst/>
-                <a:latin typeface="Times New Roman" panose="02020603050405020304" pitchFamily="18" charset="0"/>
-                <a:ea typeface="Times New Roman" panose="02020603050405020304" pitchFamily="18" charset="0"/>
-              </a:rPr>
-              <a:t>trained</a:t>
-            </a:r>
-            <a:r>
-              <a:rPr lang="en-US" sz="1800" spc="-55" dirty="0">
-                <a:solidFill>
-                  <a:srgbClr val="010202"/>
-                </a:solidFill>
-                <a:effectLst/>
-                <a:latin typeface="Times New Roman" panose="02020603050405020304" pitchFamily="18" charset="0"/>
-                <a:ea typeface="Times New Roman" panose="02020603050405020304" pitchFamily="18" charset="0"/>
-              </a:rPr>
-              <a:t> </a:t>
-            </a:r>
-            <a:r>
-              <a:rPr lang="en-US" sz="1800" dirty="0">
-                <a:solidFill>
-                  <a:srgbClr val="010202"/>
-                </a:solidFill>
-                <a:effectLst/>
-                <a:latin typeface="Times New Roman" panose="02020603050405020304" pitchFamily="18" charset="0"/>
-                <a:ea typeface="Times New Roman" panose="02020603050405020304" pitchFamily="18" charset="0"/>
-              </a:rPr>
-              <a:t>using</a:t>
-            </a:r>
-            <a:r>
-              <a:rPr lang="en-US" sz="1800" spc="-70" dirty="0">
-                <a:solidFill>
-                  <a:srgbClr val="010202"/>
-                </a:solidFill>
-                <a:effectLst/>
-                <a:latin typeface="Times New Roman" panose="02020603050405020304" pitchFamily="18" charset="0"/>
-                <a:ea typeface="Times New Roman" panose="02020603050405020304" pitchFamily="18" charset="0"/>
-              </a:rPr>
-              <a:t> </a:t>
-            </a:r>
-            <a:r>
-              <a:rPr lang="en-US" sz="1800" dirty="0">
-                <a:solidFill>
-                  <a:srgbClr val="010202"/>
-                </a:solidFill>
-                <a:effectLst/>
-                <a:latin typeface="Times New Roman" panose="02020603050405020304" pitchFamily="18" charset="0"/>
-                <a:ea typeface="Times New Roman" panose="02020603050405020304" pitchFamily="18" charset="0"/>
-              </a:rPr>
-              <a:t>an</a:t>
-            </a:r>
-            <a:r>
-              <a:rPr lang="en-US" sz="1800" spc="-65" dirty="0">
-                <a:solidFill>
-                  <a:srgbClr val="010202"/>
-                </a:solidFill>
-                <a:effectLst/>
-                <a:latin typeface="Times New Roman" panose="02020603050405020304" pitchFamily="18" charset="0"/>
-                <a:ea typeface="Times New Roman" panose="02020603050405020304" pitchFamily="18" charset="0"/>
-              </a:rPr>
-              <a:t> </a:t>
-            </a:r>
-            <a:r>
-              <a:rPr lang="en-US" sz="1800" dirty="0">
-                <a:solidFill>
-                  <a:srgbClr val="010202"/>
-                </a:solidFill>
-                <a:effectLst/>
-                <a:latin typeface="Times New Roman" panose="02020603050405020304" pitchFamily="18" charset="0"/>
-                <a:ea typeface="Times New Roman" panose="02020603050405020304" pitchFamily="18" charset="0"/>
-              </a:rPr>
-              <a:t>existing</a:t>
-            </a:r>
-            <a:r>
-              <a:rPr lang="en-US" sz="1800" spc="-65" dirty="0">
-                <a:solidFill>
-                  <a:srgbClr val="010202"/>
-                </a:solidFill>
-                <a:effectLst/>
-                <a:latin typeface="Times New Roman" panose="02020603050405020304" pitchFamily="18" charset="0"/>
-                <a:ea typeface="Times New Roman" panose="02020603050405020304" pitchFamily="18" charset="0"/>
-              </a:rPr>
-              <a:t> </a:t>
-            </a:r>
-            <a:r>
-              <a:rPr lang="en-US" sz="1800" dirty="0">
-                <a:solidFill>
-                  <a:srgbClr val="010202"/>
-                </a:solidFill>
-                <a:effectLst/>
-                <a:latin typeface="Times New Roman" panose="02020603050405020304" pitchFamily="18" charset="0"/>
-                <a:ea typeface="Times New Roman" panose="02020603050405020304" pitchFamily="18" charset="0"/>
-              </a:rPr>
-              <a:t>data</a:t>
-            </a:r>
-            <a:r>
-              <a:rPr lang="en-US" sz="1800" spc="-60" dirty="0">
-                <a:solidFill>
-                  <a:srgbClr val="010202"/>
-                </a:solidFill>
-                <a:effectLst/>
-                <a:latin typeface="Times New Roman" panose="02020603050405020304" pitchFamily="18" charset="0"/>
-                <a:ea typeface="Times New Roman" panose="02020603050405020304" pitchFamily="18" charset="0"/>
-              </a:rPr>
-              <a:t> </a:t>
-            </a:r>
-            <a:r>
-              <a:rPr lang="en-US" sz="1800" dirty="0">
-                <a:solidFill>
-                  <a:srgbClr val="010202"/>
-                </a:solidFill>
-                <a:effectLst/>
-                <a:latin typeface="Times New Roman" panose="02020603050405020304" pitchFamily="18" charset="0"/>
-                <a:ea typeface="Times New Roman" panose="02020603050405020304" pitchFamily="18" charset="0"/>
-              </a:rPr>
-              <a:t>set.</a:t>
-            </a:r>
-            <a:r>
-              <a:rPr lang="en-US" sz="1800" spc="-55" dirty="0">
-                <a:solidFill>
-                  <a:srgbClr val="010202"/>
-                </a:solidFill>
-                <a:effectLst/>
-                <a:latin typeface="Times New Roman" panose="02020603050405020304" pitchFamily="18" charset="0"/>
-                <a:ea typeface="Times New Roman" panose="02020603050405020304" pitchFamily="18" charset="0"/>
-              </a:rPr>
-              <a:t> </a:t>
-            </a:r>
-          </a:p>
-          <a:p>
-            <a:pPr>
-              <a:buFont typeface="Wingdings" panose="05000000000000000000" pitchFamily="2" charset="2"/>
-              <a:buChar char="Ø"/>
-            </a:pPr>
-            <a:r>
-              <a:rPr lang="en-US" sz="1800" dirty="0">
-                <a:solidFill>
-                  <a:srgbClr val="010202"/>
-                </a:solidFill>
-                <a:effectLst/>
-                <a:latin typeface="Times New Roman" panose="02020603050405020304" pitchFamily="18" charset="0"/>
-                <a:ea typeface="Times New Roman" panose="02020603050405020304" pitchFamily="18" charset="0"/>
-              </a:rPr>
-              <a:t>Finally,</a:t>
-            </a:r>
-            <a:r>
-              <a:rPr lang="en-US" sz="1800" spc="-60" dirty="0">
-                <a:solidFill>
-                  <a:srgbClr val="010202"/>
-                </a:solidFill>
-                <a:effectLst/>
-                <a:latin typeface="Times New Roman" panose="02020603050405020304" pitchFamily="18" charset="0"/>
-                <a:ea typeface="Times New Roman" panose="02020603050405020304" pitchFamily="18" charset="0"/>
-              </a:rPr>
-              <a:t> </a:t>
-            </a:r>
-            <a:r>
-              <a:rPr lang="en-US" sz="1800" dirty="0">
-                <a:solidFill>
-                  <a:srgbClr val="010202"/>
-                </a:solidFill>
-                <a:effectLst/>
-                <a:latin typeface="Times New Roman" panose="02020603050405020304" pitchFamily="18" charset="0"/>
-                <a:ea typeface="Times New Roman" panose="02020603050405020304" pitchFamily="18" charset="0"/>
-              </a:rPr>
-              <a:t>by</a:t>
-            </a:r>
-            <a:r>
-              <a:rPr lang="en-US" sz="1800" spc="-85" dirty="0">
-                <a:solidFill>
-                  <a:srgbClr val="010202"/>
-                </a:solidFill>
-                <a:effectLst/>
-                <a:latin typeface="Times New Roman" panose="02020603050405020304" pitchFamily="18" charset="0"/>
-                <a:ea typeface="Times New Roman" panose="02020603050405020304" pitchFamily="18" charset="0"/>
-              </a:rPr>
-              <a:t> </a:t>
-            </a:r>
-            <a:r>
-              <a:rPr lang="en-US" sz="1800" dirty="0">
-                <a:solidFill>
-                  <a:srgbClr val="010202"/>
-                </a:solidFill>
-                <a:effectLst/>
-                <a:latin typeface="Times New Roman" panose="02020603050405020304" pitchFamily="18" charset="0"/>
-                <a:ea typeface="Times New Roman" panose="02020603050405020304" pitchFamily="18" charset="0"/>
-              </a:rPr>
-              <a:t>comparing</a:t>
-            </a:r>
-            <a:r>
-              <a:rPr lang="en-US" sz="1800" spc="-65" dirty="0">
-                <a:solidFill>
-                  <a:srgbClr val="010202"/>
-                </a:solidFill>
-                <a:effectLst/>
-                <a:latin typeface="Times New Roman" panose="02020603050405020304" pitchFamily="18" charset="0"/>
-                <a:ea typeface="Times New Roman" panose="02020603050405020304" pitchFamily="18" charset="0"/>
-              </a:rPr>
-              <a:t> </a:t>
-            </a:r>
-            <a:r>
-              <a:rPr lang="en-US" sz="1800" dirty="0">
-                <a:solidFill>
-                  <a:srgbClr val="010202"/>
-                </a:solidFill>
-                <a:effectLst/>
-                <a:latin typeface="Times New Roman" panose="02020603050405020304" pitchFamily="18" charset="0"/>
-                <a:ea typeface="Times New Roman" panose="02020603050405020304" pitchFamily="18" charset="0"/>
-              </a:rPr>
-              <a:t>the keywords, the system classifies human emotions.</a:t>
-            </a:r>
-          </a:p>
-          <a:p>
-            <a:pPr>
-              <a:buFont typeface="Wingdings" panose="05000000000000000000" pitchFamily="2" charset="2"/>
-              <a:buChar char="Ø"/>
-            </a:pPr>
-            <a:endParaRPr lang="en-US" sz="1800" dirty="0">
-              <a:solidFill>
-                <a:srgbClr val="010202"/>
-              </a:solidFill>
+                <a:effectLst/>
+                <a:latin typeface="Times New Roman" panose="02020603050405020304" pitchFamily="18" charset="0"/>
+                <a:ea typeface="Times New Roman" panose="02020603050405020304" pitchFamily="18" charset="0"/>
+              </a:rPr>
+              <a:t>etc.</a:t>
+            </a:r>
+          </a:p>
+          <a:p>
+            <a:endParaRPr lang="en-US" sz="1800" spc="-5" dirty="0">
+              <a:effectLst/>
               <a:latin typeface="Times New Roman" panose="02020603050405020304" pitchFamily="18" charset="0"/>
+              <a:ea typeface="Times New Roman" panose="02020603050405020304" pitchFamily="18" charset="0"/>
             </a:endParaRPr>
           </a:p>
           <a:p>
-            <a:r>
-              <a:rPr lang="en-US" sz="1800" dirty="0">
-                <a:solidFill>
-                  <a:srgbClr val="010202"/>
-                </a:solidFill>
-                <a:effectLst/>
-                <a:latin typeface="Times New Roman" panose="02020603050405020304" pitchFamily="18" charset="0"/>
-                <a:ea typeface="Times New Roman" panose="02020603050405020304" pitchFamily="18" charset="0"/>
-              </a:rPr>
-              <a:t>The classification</a:t>
-            </a:r>
-            <a:r>
-              <a:rPr lang="en-US" sz="1800" spc="-65" dirty="0">
-                <a:solidFill>
-                  <a:srgbClr val="010202"/>
-                </a:solidFill>
-                <a:effectLst/>
-                <a:latin typeface="Times New Roman" panose="02020603050405020304" pitchFamily="18" charset="0"/>
-                <a:ea typeface="Times New Roman" panose="02020603050405020304" pitchFamily="18" charset="0"/>
-              </a:rPr>
-              <a:t> </a:t>
-            </a:r>
-            <a:r>
-              <a:rPr lang="en-US" sz="1800" dirty="0">
-                <a:solidFill>
-                  <a:srgbClr val="010202"/>
-                </a:solidFill>
-                <a:effectLst/>
-                <a:latin typeface="Times New Roman" panose="02020603050405020304" pitchFamily="18" charset="0"/>
-                <a:ea typeface="Times New Roman" panose="02020603050405020304" pitchFamily="18" charset="0"/>
-              </a:rPr>
-              <a:t>process</a:t>
-            </a:r>
-            <a:r>
-              <a:rPr lang="en-US" sz="1800" spc="-60" dirty="0">
-                <a:solidFill>
-                  <a:srgbClr val="010202"/>
-                </a:solidFill>
-                <a:effectLst/>
-                <a:latin typeface="Times New Roman" panose="02020603050405020304" pitchFamily="18" charset="0"/>
-                <a:ea typeface="Times New Roman" panose="02020603050405020304" pitchFamily="18" charset="0"/>
-              </a:rPr>
-              <a:t> </a:t>
-            </a:r>
-            <a:r>
-              <a:rPr lang="en-US" sz="1800" dirty="0">
-                <a:solidFill>
-                  <a:srgbClr val="010202"/>
-                </a:solidFill>
-                <a:effectLst/>
-                <a:latin typeface="Times New Roman" panose="02020603050405020304" pitchFamily="18" charset="0"/>
-                <a:ea typeface="Times New Roman" panose="02020603050405020304" pitchFamily="18" charset="0"/>
-              </a:rPr>
-              <a:t>is</a:t>
-            </a:r>
-            <a:r>
-              <a:rPr lang="en-US" sz="1800" spc="-65" dirty="0">
-                <a:solidFill>
-                  <a:srgbClr val="010202"/>
-                </a:solidFill>
-                <a:effectLst/>
-                <a:latin typeface="Times New Roman" panose="02020603050405020304" pitchFamily="18" charset="0"/>
-                <a:ea typeface="Times New Roman" panose="02020603050405020304" pitchFamily="18" charset="0"/>
-              </a:rPr>
-              <a:t> </a:t>
-            </a:r>
-            <a:r>
-              <a:rPr lang="en-US" sz="1800" dirty="0">
-                <a:solidFill>
-                  <a:srgbClr val="010202"/>
-                </a:solidFill>
-                <a:effectLst/>
-                <a:latin typeface="Times New Roman" panose="02020603050405020304" pitchFamily="18" charset="0"/>
-                <a:ea typeface="Times New Roman" panose="02020603050405020304" pitchFamily="18" charset="0"/>
-              </a:rPr>
-              <a:t>done</a:t>
-            </a:r>
-            <a:r>
-              <a:rPr lang="en-US" sz="1800" spc="-55" dirty="0">
-                <a:solidFill>
-                  <a:srgbClr val="010202"/>
-                </a:solidFill>
-                <a:effectLst/>
-                <a:latin typeface="Times New Roman" panose="02020603050405020304" pitchFamily="18" charset="0"/>
-                <a:ea typeface="Times New Roman" panose="02020603050405020304" pitchFamily="18" charset="0"/>
-              </a:rPr>
-              <a:t> </a:t>
-            </a:r>
-            <a:r>
-              <a:rPr lang="en-US" sz="1800" dirty="0">
-                <a:solidFill>
-                  <a:srgbClr val="010202"/>
-                </a:solidFill>
-                <a:effectLst/>
-                <a:latin typeface="Times New Roman" panose="02020603050405020304" pitchFamily="18" charset="0"/>
-                <a:ea typeface="Times New Roman" panose="02020603050405020304" pitchFamily="18" charset="0"/>
-              </a:rPr>
-              <a:t>for</a:t>
-            </a:r>
-            <a:r>
-              <a:rPr lang="en-US" sz="1800" spc="-50" dirty="0">
-                <a:solidFill>
-                  <a:srgbClr val="010202"/>
-                </a:solidFill>
-                <a:effectLst/>
-                <a:latin typeface="Times New Roman" panose="02020603050405020304" pitchFamily="18" charset="0"/>
-                <a:ea typeface="Times New Roman" panose="02020603050405020304" pitchFamily="18" charset="0"/>
-              </a:rPr>
-              <a:t> </a:t>
-            </a:r>
-            <a:r>
-              <a:rPr lang="en-US" sz="1800" dirty="0">
-                <a:solidFill>
-                  <a:srgbClr val="010202"/>
-                </a:solidFill>
-                <a:effectLst/>
-                <a:latin typeface="Times New Roman" panose="02020603050405020304" pitchFamily="18" charset="0"/>
-                <a:ea typeface="Times New Roman" panose="02020603050405020304" pitchFamily="18" charset="0"/>
-              </a:rPr>
-              <a:t>every</a:t>
-            </a:r>
-            <a:r>
-              <a:rPr lang="en-US" sz="1800" spc="-80" dirty="0">
-                <a:solidFill>
-                  <a:srgbClr val="010202"/>
-                </a:solidFill>
-                <a:effectLst/>
-                <a:latin typeface="Times New Roman" panose="02020603050405020304" pitchFamily="18" charset="0"/>
-                <a:ea typeface="Times New Roman" panose="02020603050405020304" pitchFamily="18" charset="0"/>
-              </a:rPr>
-              <a:t> </a:t>
-            </a:r>
-            <a:r>
-              <a:rPr lang="en-US" sz="1800" dirty="0">
-                <a:solidFill>
-                  <a:srgbClr val="010202"/>
-                </a:solidFill>
-                <a:effectLst/>
-                <a:latin typeface="Times New Roman" panose="02020603050405020304" pitchFamily="18" charset="0"/>
-                <a:ea typeface="Times New Roman" panose="02020603050405020304" pitchFamily="18" charset="0"/>
-              </a:rPr>
-              <a:t>hour</a:t>
-            </a:r>
-            <a:r>
-              <a:rPr lang="en-US" sz="1800" spc="-55" dirty="0">
-                <a:solidFill>
-                  <a:srgbClr val="010202"/>
-                </a:solidFill>
-                <a:effectLst/>
-                <a:latin typeface="Times New Roman" panose="02020603050405020304" pitchFamily="18" charset="0"/>
-                <a:ea typeface="Times New Roman" panose="02020603050405020304" pitchFamily="18" charset="0"/>
-              </a:rPr>
-              <a:t> </a:t>
-            </a:r>
-            <a:r>
-              <a:rPr lang="en-US" sz="1800" dirty="0">
-                <a:solidFill>
-                  <a:srgbClr val="010202"/>
-                </a:solidFill>
-                <a:effectLst/>
-                <a:latin typeface="Times New Roman" panose="02020603050405020304" pitchFamily="18" charset="0"/>
-                <a:ea typeface="Times New Roman" panose="02020603050405020304" pitchFamily="18" charset="0"/>
-              </a:rPr>
-              <a:t>and</a:t>
-            </a:r>
-            <a:r>
-              <a:rPr lang="en-US" sz="1800" spc="-55" dirty="0">
-                <a:solidFill>
-                  <a:srgbClr val="010202"/>
-                </a:solidFill>
-                <a:effectLst/>
-                <a:latin typeface="Times New Roman" panose="02020603050405020304" pitchFamily="18" charset="0"/>
-                <a:ea typeface="Times New Roman" panose="02020603050405020304" pitchFamily="18" charset="0"/>
-              </a:rPr>
-              <a:t> </a:t>
-            </a:r>
-            <a:r>
-              <a:rPr lang="en-US" sz="1800" dirty="0">
-                <a:solidFill>
-                  <a:srgbClr val="010202"/>
-                </a:solidFill>
-                <a:effectLst/>
-                <a:latin typeface="Times New Roman" panose="02020603050405020304" pitchFamily="18" charset="0"/>
-                <a:ea typeface="Times New Roman" panose="02020603050405020304" pitchFamily="18" charset="0"/>
-              </a:rPr>
-              <a:t>generates</a:t>
-            </a:r>
-            <a:r>
-              <a:rPr lang="en-US" sz="1800" spc="-60" dirty="0">
-                <a:solidFill>
-                  <a:srgbClr val="010202"/>
-                </a:solidFill>
-                <a:effectLst/>
-                <a:latin typeface="Times New Roman" panose="02020603050405020304" pitchFamily="18" charset="0"/>
-                <a:ea typeface="Times New Roman" panose="02020603050405020304" pitchFamily="18" charset="0"/>
-              </a:rPr>
-              <a:t> </a:t>
-            </a:r>
-            <a:r>
-              <a:rPr lang="en-US" sz="1800" dirty="0">
-                <a:solidFill>
-                  <a:srgbClr val="010202"/>
-                </a:solidFill>
-                <a:effectLst/>
-                <a:latin typeface="Times New Roman" panose="02020603050405020304" pitchFamily="18" charset="0"/>
-                <a:ea typeface="Times New Roman" panose="02020603050405020304" pitchFamily="18" charset="0"/>
-              </a:rPr>
-              <a:t>the highest occurring emotion as the output. Likewise, this process is continued for each and every hour to classify the emotions.</a:t>
-            </a:r>
-            <a:endParaRPr lang="en-US" sz="1800" dirty="0">
-              <a:solidFill>
-                <a:srgbClr val="010202"/>
-              </a:solidFill>
+            <a:endParaRPr lang="en-US" sz="1800" spc="-5" dirty="0">
               <a:latin typeface="Times New Roman" panose="02020603050405020304" pitchFamily="18" charset="0"/>
+              <a:ea typeface="Times New Roman" panose="02020603050405020304" pitchFamily="18" charset="0"/>
             </a:endParaRPr>
+          </a:p>
+          <a:p>
+            <a:r>
+              <a:rPr lang="en-US" sz="1800" i="1" dirty="0">
+                <a:effectLst/>
+                <a:latin typeface="Times New Roman" panose="02020603050405020304" pitchFamily="18" charset="0"/>
+                <a:ea typeface="Times New Roman" panose="02020603050405020304" pitchFamily="18" charset="0"/>
+              </a:rPr>
+              <a:t>Classification</a:t>
+            </a:r>
+            <a:r>
+              <a:rPr lang="en-US" sz="1800" i="1" spc="-5" dirty="0">
+                <a:effectLst/>
+                <a:latin typeface="Times New Roman" panose="02020603050405020304" pitchFamily="18" charset="0"/>
+                <a:ea typeface="Times New Roman" panose="02020603050405020304" pitchFamily="18" charset="0"/>
+              </a:rPr>
+              <a:t> : </a:t>
+            </a:r>
+            <a:r>
+              <a:rPr lang="en-US" sz="1800" dirty="0">
+                <a:effectLst/>
+                <a:latin typeface="Times New Roman" panose="02020603050405020304" pitchFamily="18" charset="0"/>
+                <a:ea typeface="Times New Roman" panose="02020603050405020304" pitchFamily="18" charset="0"/>
+              </a:rPr>
+              <a:t>As the third step, the system has performed the critical process of classification. To do that, a classification model was created by using the machine learning algorithm Naïve Bayes. Naïve Bayes belongs to the probabilistic algorithm family and it uses </a:t>
+            </a:r>
+            <a:r>
+              <a:rPr lang="en-US" sz="1800" dirty="0" err="1">
+                <a:effectLst/>
+                <a:latin typeface="Times New Roman" panose="02020603050405020304" pitchFamily="18" charset="0"/>
+                <a:ea typeface="Times New Roman" panose="02020603050405020304" pitchFamily="18" charset="0"/>
+              </a:rPr>
+              <a:t>Bayes’s</a:t>
+            </a:r>
+            <a:r>
+              <a:rPr lang="en-US" sz="1800" dirty="0">
+                <a:effectLst/>
+                <a:latin typeface="Times New Roman" panose="02020603050405020304" pitchFamily="18" charset="0"/>
+                <a:ea typeface="Times New Roman" panose="02020603050405020304" pitchFamily="18" charset="0"/>
+              </a:rPr>
+              <a:t> Theorem to predict the text category.</a:t>
+            </a:r>
+          </a:p>
+          <a:p>
+            <a:endParaRPr lang="en-US" sz="1800" spc="-5" dirty="0">
+              <a:effectLst/>
+              <a:latin typeface="Times New Roman" panose="02020603050405020304" pitchFamily="18" charset="0"/>
+              <a:ea typeface="Times New Roman" panose="02020603050405020304" pitchFamily="18" charset="0"/>
+            </a:endParaRPr>
+          </a:p>
+          <a:p>
+            <a:endParaRPr lang="en-US" dirty="0"/>
           </a:p>
         </p:txBody>
       </p:sp>
     </p:spTree>
     <p:extLst>
       <p:ext uri="{BB962C8B-B14F-4D97-AF65-F5344CB8AC3E}">
-        <p14:creationId xmlns:p14="http://schemas.microsoft.com/office/powerpoint/2010/main" val="3887659729"/>
+        <p14:creationId xmlns:p14="http://schemas.microsoft.com/office/powerpoint/2010/main" val="1187150183"/>
       </p:ext>
     </p:extLst>
   </p:cSld>
@@ -6973,10 +6581,10 @@
       </p:grpSpPr>
       <p:sp>
         <p:nvSpPr>
-          <p:cNvPr id="2" name="Title 1">
+          <p:cNvPr id="3" name="Content Placeholder 2">
             <a:extLst>
               <a:ext uri="{FF2B5EF4-FFF2-40B4-BE49-F238E27FC236}">
-                <a16:creationId xmlns:a16="http://schemas.microsoft.com/office/drawing/2014/main" id="{16680DBE-88BA-4A15-8F68-D042ACA52117}"/>
+                <a16:creationId xmlns:a16="http://schemas.microsoft.com/office/drawing/2014/main" id="{9CD59F5F-C75A-46CB-94F3-D11D9094AA34}"/>
               </a:ext>
             </a:extLst>
           </p:cNvPr>
@@ -6984,119 +6592,54 @@
             <a:spLocks noGrp="1"/>
           </p:cNvSpPr>
           <p:nvPr>
-            <p:ph type="title"/>
-          </p:nvPr>
-        </p:nvSpPr>
-        <p:spPr/>
-        <p:txBody>
-          <a:bodyPr>
-            <a:normAutofit/>
-          </a:bodyPr>
+            <p:ph idx="1"/>
+          </p:nvPr>
+        </p:nvSpPr>
+        <p:spPr>
+          <a:xfrm>
+            <a:off x="838200" y="502853"/>
+            <a:ext cx="10515600" cy="4351338"/>
+          </a:xfrm>
+        </p:spPr>
+        <p:txBody>
+          <a:bodyPr/>
           <a:lstStyle/>
           <a:p>
             <a:r>
-              <a:rPr lang="en-US" sz="2400" b="1" dirty="0">
-                <a:latin typeface="Times New Roman" panose="02020603050405020304" pitchFamily="18" charset="0"/>
-                <a:cs typeface="Times New Roman" panose="02020603050405020304" pitchFamily="18" charset="0"/>
-              </a:rPr>
-              <a:t>Explanation of example</a:t>
-            </a:r>
-          </a:p>
-        </p:txBody>
-      </p:sp>
-      <p:sp>
-        <p:nvSpPr>
-          <p:cNvPr id="3" name="Content Placeholder 2">
-            <a:extLst>
-              <a:ext uri="{FF2B5EF4-FFF2-40B4-BE49-F238E27FC236}">
-                <a16:creationId xmlns:a16="http://schemas.microsoft.com/office/drawing/2014/main" id="{A446716F-BA54-4F65-A755-D3E4E57A863F}"/>
-              </a:ext>
-            </a:extLst>
-          </p:cNvPr>
-          <p:cNvSpPr>
-            <a:spLocks noGrp="1"/>
-          </p:cNvSpPr>
-          <p:nvPr>
-            <p:ph idx="1"/>
-          </p:nvPr>
-        </p:nvSpPr>
-        <p:spPr/>
-        <p:txBody>
-          <a:bodyPr>
-            <a:normAutofit fontScale="92500" lnSpcReduction="20000"/>
-          </a:bodyPr>
-          <a:lstStyle/>
-          <a:p>
-            <a:r>
-              <a:rPr lang="en-US" sz="1800" i="1" dirty="0">
-                <a:solidFill>
-                  <a:srgbClr val="010202"/>
-                </a:solidFill>
-                <a:effectLst/>
-                <a:latin typeface="Times New Roman" panose="02020603050405020304" pitchFamily="18" charset="0"/>
-                <a:ea typeface="Times New Roman" panose="02020603050405020304" pitchFamily="18" charset="0"/>
-              </a:rPr>
-              <a:t>Data collection : </a:t>
-            </a:r>
-            <a:r>
-              <a:rPr lang="en-US" sz="1800" dirty="0">
-                <a:solidFill>
-                  <a:srgbClr val="010202"/>
-                </a:solidFill>
-                <a:effectLst/>
-                <a:latin typeface="Times New Roman" panose="02020603050405020304" pitchFamily="18" charset="0"/>
-                <a:ea typeface="Times New Roman" panose="02020603050405020304" pitchFamily="18" charset="0"/>
-              </a:rPr>
-              <a:t>The very first step of the research was to collect the data or comments of users from Facebook. To do that, Facebook Graph API has been used. Graph API, is an inbuilt API provided by Facebook for their developers. It is a primary way of getting data in and out from the Facebook platform</a:t>
-            </a:r>
-          </a:p>
-          <a:p>
-            <a:endParaRPr lang="en-US" sz="1800" dirty="0">
-              <a:solidFill>
-                <a:srgbClr val="010202"/>
-              </a:solidFill>
-              <a:latin typeface="Times New Roman" panose="02020603050405020304" pitchFamily="18" charset="0"/>
-              <a:ea typeface="Times New Roman" panose="02020603050405020304" pitchFamily="18" charset="0"/>
-            </a:endParaRPr>
-          </a:p>
-          <a:p>
-            <a:endParaRPr lang="en-US" sz="1800" dirty="0">
-              <a:solidFill>
-                <a:srgbClr val="010202"/>
-              </a:solidFill>
+              <a:rPr lang="en-US" sz="1600" dirty="0"/>
+              <a:t>Naïve Bayes classifiers are extremely scalable and require a number of parameters in a learning problem. The model was trained using the existing data set. When creating the model, tags or the labels should be created as the first step. The research has used the emotion tags, including Happiness, Sadness, Anger and Surprise.</a:t>
+            </a:r>
+            <a:endParaRPr lang="en-US" sz="1800" i="1" spc="-5" dirty="0">
               <a:effectLst/>
               <a:latin typeface="Times New Roman" panose="02020603050405020304" pitchFamily="18" charset="0"/>
               <a:ea typeface="Times New Roman" panose="02020603050405020304" pitchFamily="18" charset="0"/>
             </a:endParaRPr>
           </a:p>
           <a:p>
+            <a:endParaRPr lang="en-US" sz="1800" i="1" spc="-5" dirty="0">
+              <a:latin typeface="Times New Roman" panose="02020603050405020304" pitchFamily="18" charset="0"/>
+              <a:ea typeface="Times New Roman" panose="02020603050405020304" pitchFamily="18" charset="0"/>
+            </a:endParaRPr>
+          </a:p>
+          <a:p>
             <a:r>
               <a:rPr lang="en-US" sz="1800" i="1" spc="-5" dirty="0">
-                <a:solidFill>
-                  <a:srgbClr val="010202"/>
-                </a:solidFill>
-                <a:effectLst/>
-                <a:latin typeface="Times New Roman" panose="02020603050405020304" pitchFamily="18" charset="0"/>
-                <a:ea typeface="Times New Roman" panose="02020603050405020304" pitchFamily="18" charset="0"/>
-              </a:rPr>
-              <a:t>Pre-processing : </a:t>
-            </a:r>
-            <a:r>
-              <a:rPr lang="en-US" sz="1800" dirty="0">
-                <a:solidFill>
-                  <a:srgbClr val="010202"/>
-                </a:solidFill>
-                <a:effectLst/>
-                <a:latin typeface="Times New Roman" panose="02020603050405020304" pitchFamily="18" charset="0"/>
-                <a:ea typeface="Times New Roman" panose="02020603050405020304" pitchFamily="18" charset="0"/>
-              </a:rPr>
-              <a:t>Once the data have been collected through Graph API, next</a:t>
-            </a:r>
-            <a:r>
-              <a:rPr lang="en-US" sz="1800" spc="-15" dirty="0">
-                <a:solidFill>
-                  <a:srgbClr val="010202"/>
-                </a:solidFill>
+                <a:effectLst/>
+                <a:latin typeface="Times New Roman" panose="02020603050405020304" pitchFamily="18" charset="0"/>
+                <a:ea typeface="Times New Roman" panose="02020603050405020304" pitchFamily="18" charset="0"/>
+              </a:rPr>
+              <a:t>Emotion Detection :</a:t>
+            </a:r>
+            <a:r>
+              <a:rPr lang="en-US" sz="1800" dirty="0">
+                <a:effectLst/>
+                <a:latin typeface="Times New Roman" panose="02020603050405020304" pitchFamily="18" charset="0"/>
+                <a:ea typeface="Times New Roman" panose="02020603050405020304" pitchFamily="18" charset="0"/>
+              </a:rPr>
+              <a:t>Finally,</a:t>
+            </a:r>
+            <a:r>
+              <a:rPr lang="en-US" sz="1800" spc="-45" dirty="0">
                 <a:effectLst/>
                 <a:latin typeface="Times New Roman" panose="02020603050405020304" pitchFamily="18" charset="0"/>
                 <a:ea typeface="Times New Roman" panose="02020603050405020304" pitchFamily="18" charset="0"/>
@@ -7105,20 +6648,14 @@
             </a:r>
             <a:r>
               <a:rPr lang="en-US" sz="1800" dirty="0">
-                <a:solidFill>
-                  <a:srgbClr val="010202"/>
-                </a:solidFill>
-                <a:effectLst/>
-                <a:latin typeface="Times New Roman" panose="02020603050405020304" pitchFamily="18" charset="0"/>
-                <a:ea typeface="Times New Roman" panose="02020603050405020304" pitchFamily="18" charset="0"/>
-              </a:rPr>
-              <a:t>step</a:t>
-            </a:r>
-            <a:r>
-              <a:rPr lang="en-US" sz="1800" spc="-15" dirty="0">
-                <a:solidFill>
-                  <a:srgbClr val="010202"/>
-                </a:solidFill>
+                <a:effectLst/>
+                <a:latin typeface="Times New Roman" panose="02020603050405020304" pitchFamily="18" charset="0"/>
+                <a:ea typeface="Times New Roman" panose="02020603050405020304" pitchFamily="18" charset="0"/>
+              </a:rPr>
+              <a:t>preprocessed</a:t>
+            </a:r>
+            <a:r>
+              <a:rPr lang="en-US" sz="1800" spc="-40" dirty="0">
                 <a:effectLst/>
                 <a:latin typeface="Times New Roman" panose="02020603050405020304" pitchFamily="18" charset="0"/>
                 <a:ea typeface="Times New Roman" panose="02020603050405020304" pitchFamily="18" charset="0"/>
@@ -7127,20 +6664,14 @@
             </a:r>
             <a:r>
               <a:rPr lang="en-US" sz="1800" dirty="0">
-                <a:solidFill>
-                  <a:srgbClr val="010202"/>
-                </a:solidFill>
-                <a:effectLst/>
-                <a:latin typeface="Times New Roman" panose="02020603050405020304" pitchFamily="18" charset="0"/>
-                <a:ea typeface="Times New Roman" panose="02020603050405020304" pitchFamily="18" charset="0"/>
-              </a:rPr>
-              <a:t>was</a:t>
+                <a:effectLst/>
+                <a:latin typeface="Times New Roman" panose="02020603050405020304" pitchFamily="18" charset="0"/>
+                <a:ea typeface="Times New Roman" panose="02020603050405020304" pitchFamily="18" charset="0"/>
+              </a:rPr>
+              <a:t>data</a:t>
             </a:r>
             <a:r>
               <a:rPr lang="en-US" sz="1800" spc="-35" dirty="0">
-                <a:solidFill>
-                  <a:srgbClr val="010202"/>
-                </a:solidFill>
                 <a:effectLst/>
                 <a:latin typeface="Times New Roman" panose="02020603050405020304" pitchFamily="18" charset="0"/>
                 <a:ea typeface="Times New Roman" panose="02020603050405020304" pitchFamily="18" charset="0"/>
@@ -7149,20 +6680,94 @@
             </a:r>
             <a:r>
               <a:rPr lang="en-US" sz="1800" dirty="0">
-                <a:solidFill>
-                  <a:srgbClr val="010202"/>
-                </a:solidFill>
-                <a:effectLst/>
-                <a:latin typeface="Times New Roman" panose="02020603050405020304" pitchFamily="18" charset="0"/>
-                <a:ea typeface="Times New Roman" panose="02020603050405020304" pitchFamily="18" charset="0"/>
-              </a:rPr>
-              <a:t>processing</a:t>
+                <a:effectLst/>
+                <a:latin typeface="Times New Roman" panose="02020603050405020304" pitchFamily="18" charset="0"/>
+                <a:ea typeface="Times New Roman" panose="02020603050405020304" pitchFamily="18" charset="0"/>
+              </a:rPr>
+              <a:t>has</a:t>
+            </a:r>
+            <a:r>
+              <a:rPr lang="en-US" sz="1800" spc="-55" dirty="0">
+                <a:effectLst/>
+                <a:latin typeface="Times New Roman" panose="02020603050405020304" pitchFamily="18" charset="0"/>
+                <a:ea typeface="Times New Roman" panose="02020603050405020304" pitchFamily="18" charset="0"/>
+              </a:rPr>
+              <a:t> </a:t>
+            </a:r>
+            <a:r>
+              <a:rPr lang="en-US" sz="1800" dirty="0">
+                <a:effectLst/>
+                <a:latin typeface="Times New Roman" panose="02020603050405020304" pitchFamily="18" charset="0"/>
+                <a:ea typeface="Times New Roman" panose="02020603050405020304" pitchFamily="18" charset="0"/>
+              </a:rPr>
+              <a:t>been</a:t>
+            </a:r>
+            <a:r>
+              <a:rPr lang="en-US" sz="1800" spc="-50" dirty="0">
+                <a:effectLst/>
+                <a:latin typeface="Times New Roman" panose="02020603050405020304" pitchFamily="18" charset="0"/>
+                <a:ea typeface="Times New Roman" panose="02020603050405020304" pitchFamily="18" charset="0"/>
+              </a:rPr>
+              <a:t> </a:t>
+            </a:r>
+            <a:r>
+              <a:rPr lang="en-US" sz="1800" dirty="0">
+                <a:effectLst/>
+                <a:latin typeface="Times New Roman" panose="02020603050405020304" pitchFamily="18" charset="0"/>
+                <a:ea typeface="Times New Roman" panose="02020603050405020304" pitchFamily="18" charset="0"/>
+              </a:rPr>
+              <a:t>sent</a:t>
+            </a:r>
+            <a:r>
+              <a:rPr lang="en-US" sz="1800" spc="-40" dirty="0">
+                <a:effectLst/>
+                <a:latin typeface="Times New Roman" panose="02020603050405020304" pitchFamily="18" charset="0"/>
+                <a:ea typeface="Times New Roman" panose="02020603050405020304" pitchFamily="18" charset="0"/>
+              </a:rPr>
+              <a:t> </a:t>
+            </a:r>
+            <a:r>
+              <a:rPr lang="en-US" sz="1800" dirty="0">
+                <a:effectLst/>
+                <a:latin typeface="Times New Roman" panose="02020603050405020304" pitchFamily="18" charset="0"/>
+                <a:ea typeface="Times New Roman" panose="02020603050405020304" pitchFamily="18" charset="0"/>
+              </a:rPr>
+              <a:t>to</a:t>
+            </a:r>
+            <a:r>
+              <a:rPr lang="en-US" sz="1800" spc="-30" dirty="0">
+                <a:effectLst/>
+                <a:latin typeface="Times New Roman" panose="02020603050405020304" pitchFamily="18" charset="0"/>
+                <a:ea typeface="Times New Roman" panose="02020603050405020304" pitchFamily="18" charset="0"/>
+              </a:rPr>
+              <a:t> </a:t>
+            </a:r>
+            <a:r>
+              <a:rPr lang="en-US" sz="1800" dirty="0">
+                <a:effectLst/>
+                <a:latin typeface="Times New Roman" panose="02020603050405020304" pitchFamily="18" charset="0"/>
+                <a:ea typeface="Times New Roman" panose="02020603050405020304" pitchFamily="18" charset="0"/>
+              </a:rPr>
+              <a:t>the</a:t>
+            </a:r>
+            <a:r>
+              <a:rPr lang="en-US" sz="1800" spc="-25" dirty="0">
+                <a:effectLst/>
+                <a:latin typeface="Times New Roman" panose="02020603050405020304" pitchFamily="18" charset="0"/>
+                <a:ea typeface="Times New Roman" panose="02020603050405020304" pitchFamily="18" charset="0"/>
+              </a:rPr>
+              <a:t> </a:t>
+            </a:r>
+            <a:r>
+              <a:rPr lang="en-US" sz="1800" dirty="0">
+                <a:effectLst/>
+                <a:latin typeface="Times New Roman" panose="02020603050405020304" pitchFamily="18" charset="0"/>
+                <a:ea typeface="Times New Roman" panose="02020603050405020304" pitchFamily="18" charset="0"/>
+              </a:rPr>
+              <a:t>model</a:t>
             </a:r>
             <a:r>
               <a:rPr lang="en-US" sz="1800" spc="-45" dirty="0">
-                <a:solidFill>
-                  <a:srgbClr val="010202"/>
-                </a:solidFill>
                 <a:effectLst/>
                 <a:latin typeface="Times New Roman" panose="02020603050405020304" pitchFamily="18" charset="0"/>
                 <a:ea typeface="Times New Roman" panose="02020603050405020304" pitchFamily="18" charset="0"/>
@@ -7171,20 +6776,14 @@
             </a:r>
             <a:r>
               <a:rPr lang="en-US" sz="1800" dirty="0">
-                <a:solidFill>
-                  <a:srgbClr val="010202"/>
-                </a:solidFill>
-                <a:effectLst/>
-                <a:latin typeface="Times New Roman" panose="02020603050405020304" pitchFamily="18" charset="0"/>
-                <a:ea typeface="Times New Roman" panose="02020603050405020304" pitchFamily="18" charset="0"/>
-              </a:rPr>
-              <a:t>them</a:t>
-            </a:r>
-            <a:r>
-              <a:rPr lang="en-US" sz="1800" spc="-20" dirty="0">
-                <a:solidFill>
-                  <a:srgbClr val="010202"/>
-                </a:solidFill>
+                <a:effectLst/>
+                <a:latin typeface="Times New Roman" panose="02020603050405020304" pitchFamily="18" charset="0"/>
+                <a:ea typeface="Times New Roman" panose="02020603050405020304" pitchFamily="18" charset="0"/>
+              </a:rPr>
+              <a:t>via API</a:t>
+            </a:r>
+            <a:r>
+              <a:rPr lang="en-US" sz="1800" spc="-80" dirty="0">
                 <a:effectLst/>
                 <a:latin typeface="Times New Roman" panose="02020603050405020304" pitchFamily="18" charset="0"/>
                 <a:ea typeface="Times New Roman" panose="02020603050405020304" pitchFamily="18" charset="0"/>
@@ -7193,20 +6792,14 @@
             </a:r>
             <a:r>
               <a:rPr lang="en-US" sz="1800" dirty="0">
-                <a:solidFill>
-                  <a:srgbClr val="010202"/>
-                </a:solidFill>
-                <a:effectLst/>
-                <a:latin typeface="Times New Roman" panose="02020603050405020304" pitchFamily="18" charset="0"/>
-                <a:ea typeface="Times New Roman" panose="02020603050405020304" pitchFamily="18" charset="0"/>
-              </a:rPr>
-              <a:t>according</a:t>
-            </a:r>
-            <a:r>
-              <a:rPr lang="en-US" sz="1800" spc="-40" dirty="0">
-                <a:solidFill>
-                  <a:srgbClr val="010202"/>
-                </a:solidFill>
+                <a:effectLst/>
+                <a:latin typeface="Times New Roman" panose="02020603050405020304" pitchFamily="18" charset="0"/>
+                <a:ea typeface="Times New Roman" panose="02020603050405020304" pitchFamily="18" charset="0"/>
+              </a:rPr>
+              <a:t>and</a:t>
+            </a:r>
+            <a:r>
+              <a:rPr lang="en-US" sz="1800" spc="-65" dirty="0">
                 <a:effectLst/>
                 <a:latin typeface="Times New Roman" panose="02020603050405020304" pitchFamily="18" charset="0"/>
                 <a:ea typeface="Times New Roman" panose="02020603050405020304" pitchFamily="18" charset="0"/>
@@ -7215,20 +6808,14 @@
             </a:r>
             <a:r>
               <a:rPr lang="en-US" sz="1800" dirty="0">
-                <a:solidFill>
-                  <a:srgbClr val="010202"/>
-                </a:solidFill>
-                <a:effectLst/>
-                <a:latin typeface="Times New Roman" panose="02020603050405020304" pitchFamily="18" charset="0"/>
-                <a:ea typeface="Times New Roman" panose="02020603050405020304" pitchFamily="18" charset="0"/>
-              </a:rPr>
-              <a:t>to</a:t>
-            </a:r>
-            <a:r>
-              <a:rPr lang="en-US" sz="1800" spc="-25" dirty="0">
-                <a:solidFill>
-                  <a:srgbClr val="010202"/>
-                </a:solidFill>
+                <a:effectLst/>
+                <a:latin typeface="Times New Roman" panose="02020603050405020304" pitchFamily="18" charset="0"/>
+                <a:ea typeface="Times New Roman" panose="02020603050405020304" pitchFamily="18" charset="0"/>
+              </a:rPr>
+              <a:t>by</a:t>
+            </a:r>
+            <a:r>
+              <a:rPr lang="en-US" sz="1800" spc="-85" dirty="0">
                 <a:effectLst/>
                 <a:latin typeface="Times New Roman" panose="02020603050405020304" pitchFamily="18" charset="0"/>
                 <a:ea typeface="Times New Roman" panose="02020603050405020304" pitchFamily="18" charset="0"/>
@@ -7237,9 +6824,22 @@
             </a:r>
             <a:r>
               <a:rPr lang="en-US" sz="1800" dirty="0">
-                <a:solidFill>
-                  <a:srgbClr val="010202"/>
-                </a:solidFill>
+                <a:effectLst/>
+                <a:latin typeface="Times New Roman" panose="02020603050405020304" pitchFamily="18" charset="0"/>
+                <a:ea typeface="Times New Roman" panose="02020603050405020304" pitchFamily="18" charset="0"/>
+              </a:rPr>
+              <a:t>comparing</a:t>
+            </a:r>
+            <a:r>
+              <a:rPr lang="en-US" sz="1800" spc="-75" dirty="0">
+                <a:effectLst/>
+                <a:latin typeface="Times New Roman" panose="02020603050405020304" pitchFamily="18" charset="0"/>
+                <a:ea typeface="Times New Roman" panose="02020603050405020304" pitchFamily="18" charset="0"/>
+              </a:rPr>
+              <a:t> </a:t>
+            </a:r>
+            <a:r>
+              <a:rPr lang="en-US" sz="1800" dirty="0">
                 <a:effectLst/>
                 <a:latin typeface="Times New Roman" panose="02020603050405020304" pitchFamily="18" charset="0"/>
                 <a:ea typeface="Times New Roman" panose="02020603050405020304" pitchFamily="18" charset="0"/>
@@ -7247,10 +6847,103 @@
               <a:t>the</a:t>
             </a:r>
             <a:r>
+              <a:rPr lang="en-US" sz="1800" spc="-55" dirty="0">
+                <a:effectLst/>
+                <a:latin typeface="Times New Roman" panose="02020603050405020304" pitchFamily="18" charset="0"/>
+                <a:ea typeface="Times New Roman" panose="02020603050405020304" pitchFamily="18" charset="0"/>
+              </a:rPr>
+              <a:t> </a:t>
+            </a:r>
+            <a:r>
+              <a:rPr lang="en-US" sz="1800" dirty="0">
+                <a:effectLst/>
+                <a:latin typeface="Times New Roman" panose="02020603050405020304" pitchFamily="18" charset="0"/>
+                <a:ea typeface="Times New Roman" panose="02020603050405020304" pitchFamily="18" charset="0"/>
+              </a:rPr>
+              <a:t>key</a:t>
+            </a:r>
+            <a:r>
+              <a:rPr lang="en-US" sz="1800" spc="-85" dirty="0">
+                <a:effectLst/>
+                <a:latin typeface="Times New Roman" panose="02020603050405020304" pitchFamily="18" charset="0"/>
+                <a:ea typeface="Times New Roman" panose="02020603050405020304" pitchFamily="18" charset="0"/>
+              </a:rPr>
+              <a:t> </a:t>
+            </a:r>
+            <a:r>
+              <a:rPr lang="en-US" sz="1800" dirty="0">
+                <a:effectLst/>
+                <a:latin typeface="Times New Roman" panose="02020603050405020304" pitchFamily="18" charset="0"/>
+                <a:ea typeface="Times New Roman" panose="02020603050405020304" pitchFamily="18" charset="0"/>
+              </a:rPr>
+              <a:t>words,</a:t>
+            </a:r>
+            <a:r>
+              <a:rPr lang="en-US" sz="1800" spc="-75" dirty="0">
+                <a:effectLst/>
+                <a:latin typeface="Times New Roman" panose="02020603050405020304" pitchFamily="18" charset="0"/>
+                <a:ea typeface="Times New Roman" panose="02020603050405020304" pitchFamily="18" charset="0"/>
+              </a:rPr>
+              <a:t> </a:t>
+            </a:r>
+            <a:r>
+              <a:rPr lang="en-US" sz="1800" dirty="0">
+                <a:effectLst/>
+                <a:latin typeface="Times New Roman" panose="02020603050405020304" pitchFamily="18" charset="0"/>
+                <a:ea typeface="Times New Roman" panose="02020603050405020304" pitchFamily="18" charset="0"/>
+              </a:rPr>
+              <a:t>the</a:t>
+            </a:r>
+            <a:r>
+              <a:rPr lang="en-US" sz="1800" spc="-65" dirty="0">
+                <a:effectLst/>
+                <a:latin typeface="Times New Roman" panose="02020603050405020304" pitchFamily="18" charset="0"/>
+                <a:ea typeface="Times New Roman" panose="02020603050405020304" pitchFamily="18" charset="0"/>
+              </a:rPr>
+              <a:t> </a:t>
+            </a:r>
+            <a:r>
+              <a:rPr lang="en-US" sz="1800" dirty="0">
+                <a:effectLst/>
+                <a:latin typeface="Times New Roman" panose="02020603050405020304" pitchFamily="18" charset="0"/>
+                <a:ea typeface="Times New Roman" panose="02020603050405020304" pitchFamily="18" charset="0"/>
+              </a:rPr>
+              <a:t>model</a:t>
+            </a:r>
+            <a:r>
+              <a:rPr lang="en-US" sz="1800" spc="-70" dirty="0">
+                <a:effectLst/>
+                <a:latin typeface="Times New Roman" panose="02020603050405020304" pitchFamily="18" charset="0"/>
+                <a:ea typeface="Times New Roman" panose="02020603050405020304" pitchFamily="18" charset="0"/>
+              </a:rPr>
+              <a:t> </a:t>
+            </a:r>
+            <a:r>
+              <a:rPr lang="en-US" sz="1800" dirty="0">
+                <a:effectLst/>
+                <a:latin typeface="Times New Roman" panose="02020603050405020304" pitchFamily="18" charset="0"/>
+                <a:ea typeface="Times New Roman" panose="02020603050405020304" pitchFamily="18" charset="0"/>
+              </a:rPr>
+              <a:t>the</a:t>
+            </a:r>
+            <a:r>
+              <a:rPr lang="en-US" sz="1800" spc="-75" dirty="0">
+                <a:effectLst/>
+                <a:latin typeface="Times New Roman" panose="02020603050405020304" pitchFamily="18" charset="0"/>
+                <a:ea typeface="Times New Roman" panose="02020603050405020304" pitchFamily="18" charset="0"/>
+              </a:rPr>
+              <a:t> </a:t>
+            </a:r>
+            <a:r>
+              <a:rPr lang="en-US" sz="1800" dirty="0">
+                <a:effectLst/>
+                <a:latin typeface="Times New Roman" panose="02020603050405020304" pitchFamily="18" charset="0"/>
+                <a:ea typeface="Times New Roman" panose="02020603050405020304" pitchFamily="18" charset="0"/>
+              </a:rPr>
+              <a:t>classified human emotions as the</a:t>
+            </a:r>
+            <a:r>
               <a:rPr lang="en-US" sz="1800" spc="-30" dirty="0">
-                <a:solidFill>
-                  <a:srgbClr val="010202"/>
-                </a:solidFill>
                 <a:effectLst/>
                 <a:latin typeface="Times New Roman" panose="02020603050405020304" pitchFamily="18" charset="0"/>
                 <a:ea typeface="Times New Roman" panose="02020603050405020304" pitchFamily="18" charset="0"/>
@@ -7259,59 +6952,14 @@
             </a:r>
             <a:r>
               <a:rPr lang="en-US" sz="1800" dirty="0">
-                <a:solidFill>
-                  <a:srgbClr val="010202"/>
-                </a:solidFill>
-                <a:effectLst/>
-                <a:latin typeface="Times New Roman" panose="02020603050405020304" pitchFamily="18" charset="0"/>
-                <a:ea typeface="Times New Roman" panose="02020603050405020304" pitchFamily="18" charset="0"/>
-              </a:rPr>
-              <a:t>common</a:t>
-            </a:r>
-            <a:r>
-              <a:rPr lang="en-US" sz="1800" spc="-30" dirty="0">
-                <a:solidFill>
-                  <a:srgbClr val="010202"/>
-                </a:solidFill>
-                <a:effectLst/>
-                <a:latin typeface="Times New Roman" panose="02020603050405020304" pitchFamily="18" charset="0"/>
-                <a:ea typeface="Times New Roman" panose="02020603050405020304" pitchFamily="18" charset="0"/>
-              </a:rPr>
-              <a:t> </a:t>
-            </a:r>
-            <a:r>
-              <a:rPr lang="en-US" sz="1800" dirty="0">
-                <a:solidFill>
-                  <a:srgbClr val="010202"/>
-                </a:solidFill>
-                <a:effectLst/>
-                <a:latin typeface="Times New Roman" panose="02020603050405020304" pitchFamily="18" charset="0"/>
-                <a:ea typeface="Times New Roman" panose="02020603050405020304" pitchFamily="18" charset="0"/>
-              </a:rPr>
-              <a:t>pre- processing procedures. Those procedures include, eliminating English stop words, removing numbers, removing emoji’s, removing double quotations, slashes, underscores</a:t>
-            </a:r>
-            <a:r>
-              <a:rPr lang="en-US" sz="1800" spc="-10" dirty="0">
-                <a:solidFill>
-                  <a:srgbClr val="010202"/>
-                </a:solidFill>
-                <a:effectLst/>
-                <a:latin typeface="Times New Roman" panose="02020603050405020304" pitchFamily="18" charset="0"/>
-                <a:ea typeface="Times New Roman" panose="02020603050405020304" pitchFamily="18" charset="0"/>
-              </a:rPr>
-              <a:t> </a:t>
-            </a:r>
-            <a:r>
-              <a:rPr lang="en-US" sz="1800" dirty="0">
-                <a:solidFill>
-                  <a:srgbClr val="010202"/>
-                </a:solidFill>
-                <a:effectLst/>
-                <a:latin typeface="Times New Roman" panose="02020603050405020304" pitchFamily="18" charset="0"/>
-                <a:ea typeface="Times New Roman" panose="02020603050405020304" pitchFamily="18" charset="0"/>
-              </a:rPr>
-              <a:t>etc.</a:t>
-            </a:r>
+                <a:effectLst/>
+                <a:latin typeface="Times New Roman" panose="02020603050405020304" pitchFamily="18" charset="0"/>
+                <a:ea typeface="Times New Roman" panose="02020603050405020304" pitchFamily="18" charset="0"/>
+              </a:rPr>
+              <a:t>output.</a:t>
+            </a:r>
+          </a:p>
+          <a:p>
             <a:endParaRPr lang="en-US" sz="1800" dirty="0">
               <a:effectLst/>
               <a:latin typeface="Times New Roman" panose="02020603050405020304" pitchFamily="18" charset="0"/>
@@ -7326,82 +6974,50 @@
             </a:endParaRPr>
           </a:p>
           <a:p>
-            <a:endParaRPr lang="en-US" sz="1800" spc="-5" dirty="0">
-              <a:latin typeface="Times New Roman" panose="02020603050405020304" pitchFamily="18" charset="0"/>
-              <a:ea typeface="Times New Roman" panose="02020603050405020304" pitchFamily="18" charset="0"/>
-            </a:endParaRPr>
-          </a:p>
-          <a:p>
-            <a:r>
-              <a:rPr lang="en-US" sz="1800" i="1" dirty="0">
-                <a:solidFill>
-                  <a:srgbClr val="010202"/>
-                </a:solidFill>
-                <a:effectLst/>
-                <a:latin typeface="Times New Roman" panose="02020603050405020304" pitchFamily="18" charset="0"/>
-                <a:ea typeface="Times New Roman" panose="02020603050405020304" pitchFamily="18" charset="0"/>
-              </a:rPr>
-              <a:t>Classification</a:t>
-            </a:r>
-            <a:r>
-              <a:rPr lang="en-US" sz="1800" i="1" spc="-5" dirty="0">
-                <a:solidFill>
-                  <a:srgbClr val="010202"/>
-                </a:solidFill>
-                <a:effectLst/>
-                <a:latin typeface="Times New Roman" panose="02020603050405020304" pitchFamily="18" charset="0"/>
-                <a:ea typeface="Times New Roman" panose="02020603050405020304" pitchFamily="18" charset="0"/>
-              </a:rPr>
-              <a:t> : </a:t>
-            </a:r>
-            <a:r>
-              <a:rPr lang="en-US" sz="1800" dirty="0">
-                <a:solidFill>
-                  <a:srgbClr val="010202"/>
-                </a:solidFill>
-                <a:effectLst/>
-                <a:latin typeface="Times New Roman" panose="02020603050405020304" pitchFamily="18" charset="0"/>
-                <a:ea typeface="Times New Roman" panose="02020603050405020304" pitchFamily="18" charset="0"/>
-              </a:rPr>
-              <a:t>As the third step, the system has performed the critical process of classification. To do that, a classification model was created by using the machine learning algorithm Naïve Bayes. Naïve Bayes belongs to the probabilistic algorithm family and it uses </a:t>
-            </a:r>
-            <a:r>
-              <a:rPr lang="en-US" sz="1800" dirty="0" err="1">
-                <a:solidFill>
-                  <a:srgbClr val="010202"/>
-                </a:solidFill>
-                <a:effectLst/>
-                <a:latin typeface="Times New Roman" panose="02020603050405020304" pitchFamily="18" charset="0"/>
-                <a:ea typeface="Times New Roman" panose="02020603050405020304" pitchFamily="18" charset="0"/>
-              </a:rPr>
-              <a:t>Bayes’s</a:t>
-            </a:r>
-            <a:r>
-              <a:rPr lang="en-US" sz="1800" dirty="0">
-                <a:solidFill>
-                  <a:srgbClr val="010202"/>
-                </a:solidFill>
-                <a:effectLst/>
-                <a:latin typeface="Times New Roman" panose="02020603050405020304" pitchFamily="18" charset="0"/>
-                <a:ea typeface="Times New Roman" panose="02020603050405020304" pitchFamily="18" charset="0"/>
-              </a:rPr>
-              <a:t> Theorem to predict the text category.</a:t>
-            </a:r>
-            <a:endParaRPr lang="en-US" sz="1800" spc="-5" dirty="0">
-              <a:effectLst/>
-              <a:latin typeface="Times New Roman" panose="02020603050405020304" pitchFamily="18" charset="0"/>
-              <a:ea typeface="Times New Roman" panose="02020603050405020304" pitchFamily="18" charset="0"/>
-            </a:endParaRPr>
-          </a:p>
-          <a:p>
             <a:endParaRPr lang="en-US" dirty="0"/>
           </a:p>
         </p:txBody>
       </p:sp>
+      <p:pic>
+        <p:nvPicPr>
+          <p:cNvPr id="4" name="Picture 3" descr="Diagram&#10;&#10;Description automatically generated">
+            <a:extLst>
+              <a:ext uri="{FF2B5EF4-FFF2-40B4-BE49-F238E27FC236}">
+                <a16:creationId xmlns:a16="http://schemas.microsoft.com/office/drawing/2014/main" id="{832A1DFD-A5BC-496B-AA4C-56D8BEA5A00C}"/>
+              </a:ext>
+            </a:extLst>
+          </p:cNvPr>
+          <p:cNvPicPr>
+            <a:picLocks noChangeAspect="1"/>
+          </p:cNvPicPr>
+          <p:nvPr/>
+        </p:nvPicPr>
+        <p:blipFill>
+          <a:blip r:embed="rId2">
+            <a:extLst>
+              <a:ext uri="{28A0092B-C50C-407E-A947-70E740481C1C}">
+                <a14:useLocalDpi xmlns:a14="http://schemas.microsoft.com/office/drawing/2010/main" val="0"/>
+              </a:ext>
+            </a:extLst>
+          </a:blip>
+          <a:stretch>
+            <a:fillRect/>
+          </a:stretch>
+        </p:blipFill>
+        <p:spPr>
+          <a:xfrm>
+            <a:off x="3539308" y="3032853"/>
+            <a:ext cx="3337849" cy="1821338"/>
+          </a:xfrm>
+          <a:prstGeom prst="rect">
+            <a:avLst/>
+          </a:prstGeom>
+        </p:spPr>
+      </p:pic>
     </p:spTree>
     <p:extLst>
       <p:ext uri="{BB962C8B-B14F-4D97-AF65-F5344CB8AC3E}">
-        <p14:creationId xmlns:p14="http://schemas.microsoft.com/office/powerpoint/2010/main" val="1187150183"/>
+        <p14:creationId xmlns:p14="http://schemas.microsoft.com/office/powerpoint/2010/main" val="1896617565"/>
       </p:ext>
     </p:extLst>
   </p:cSld>
@@ -7430,10 +7046,41 @@
       </p:grpSpPr>
       <p:sp>
         <p:nvSpPr>
+          <p:cNvPr id="2" name="Title 1">
+            <a:extLst>
+              <a:ext uri="{FF2B5EF4-FFF2-40B4-BE49-F238E27FC236}">
+                <a16:creationId xmlns:a16="http://schemas.microsoft.com/office/drawing/2014/main" id="{A72D83D9-18C9-4FB1-8193-94E988A2FFB6}"/>
+              </a:ext>
+            </a:extLst>
+          </p:cNvPr>
+          <p:cNvSpPr>
+            <a:spLocks noGrp="1"/>
+          </p:cNvSpPr>
+          <p:nvPr>
+            <p:ph type="title"/>
+          </p:nvPr>
+        </p:nvSpPr>
+        <p:spPr/>
+        <p:txBody>
+          <a:bodyPr/>
+          <a:lstStyle/>
+          <a:p>
+            <a:r>
+              <a:rPr lang="en-US" sz="2400" b="1" dirty="0">
+                <a:latin typeface="Times New Roman" panose="02020603050405020304" pitchFamily="18" charset="0"/>
+                <a:cs typeface="Times New Roman" panose="02020603050405020304" pitchFamily="18" charset="0"/>
+              </a:rPr>
+              <a:t>EXPERIMENTAL RESULTS</a:t>
+            </a:r>
+          </a:p>
+        </p:txBody>
+      </p:sp>
+      <p:sp>
+        <p:nvSpPr>
           <p:cNvPr id="3" name="Content Placeholder 2">
             <a:extLst>
               <a:ext uri="{FF2B5EF4-FFF2-40B4-BE49-F238E27FC236}">
-                <a16:creationId xmlns:a16="http://schemas.microsoft.com/office/drawing/2014/main" id="{9CD59F5F-C75A-46CB-94F3-D11D9094AA34}"/>
+                <a16:creationId xmlns:a16="http://schemas.microsoft.com/office/drawing/2014/main" id="{8D65DF46-6307-4172-AA95-3F9647114B53}"/>
               </a:ext>
             </a:extLst>
           </p:cNvPr>
@@ -7444,500 +7091,34 @@
             <p:ph idx="1"/>
           </p:nvPr>
         </p:nvSpPr>
-        <p:spPr>
-          <a:xfrm>
-            <a:off x="838200" y="502853"/>
-            <a:ext cx="10515600" cy="4351338"/>
-          </a:xfrm>
-        </p:spPr>
+        <p:spPr/>
         <p:txBody>
           <a:bodyPr/>
           <a:lstStyle/>
           <a:p>
             <a:r>
-              <a:rPr lang="en-US" sz="1800" i="1" spc="-5" dirty="0">
-                <a:solidFill>
-                  <a:srgbClr val="010202"/>
-                </a:solidFill>
-                <a:effectLst/>
-                <a:latin typeface="Times New Roman" panose="02020603050405020304" pitchFamily="18" charset="0"/>
-                <a:ea typeface="Times New Roman" panose="02020603050405020304" pitchFamily="18" charset="0"/>
-              </a:rPr>
-              <a:t>Emotion Detection :</a:t>
-            </a:r>
-            <a:r>
-              <a:rPr lang="en-US" sz="1800" dirty="0">
-                <a:solidFill>
-                  <a:srgbClr val="010202"/>
-                </a:solidFill>
-                <a:effectLst/>
-                <a:latin typeface="Times New Roman" panose="02020603050405020304" pitchFamily="18" charset="0"/>
-                <a:ea typeface="Times New Roman" panose="02020603050405020304" pitchFamily="18" charset="0"/>
-              </a:rPr>
-              <a:t>Finally,</a:t>
-            </a:r>
-            <a:r>
-              <a:rPr lang="en-US" sz="1800" spc="-45" dirty="0">
-                <a:solidFill>
-                  <a:srgbClr val="010202"/>
-                </a:solidFill>
-                <a:effectLst/>
-                <a:latin typeface="Times New Roman" panose="02020603050405020304" pitchFamily="18" charset="0"/>
-                <a:ea typeface="Times New Roman" panose="02020603050405020304" pitchFamily="18" charset="0"/>
-              </a:rPr>
-              <a:t> </a:t>
-            </a:r>
-            <a:r>
-              <a:rPr lang="en-US" sz="1800" dirty="0">
-                <a:solidFill>
-                  <a:srgbClr val="010202"/>
-                </a:solidFill>
-                <a:effectLst/>
-                <a:latin typeface="Times New Roman" panose="02020603050405020304" pitchFamily="18" charset="0"/>
-                <a:ea typeface="Times New Roman" panose="02020603050405020304" pitchFamily="18" charset="0"/>
-              </a:rPr>
-              <a:t>preprocessed</a:t>
-            </a:r>
-            <a:r>
-              <a:rPr lang="en-US" sz="1800" spc="-40" dirty="0">
-                <a:solidFill>
-                  <a:srgbClr val="010202"/>
-                </a:solidFill>
-                <a:effectLst/>
-                <a:latin typeface="Times New Roman" panose="02020603050405020304" pitchFamily="18" charset="0"/>
-                <a:ea typeface="Times New Roman" panose="02020603050405020304" pitchFamily="18" charset="0"/>
-              </a:rPr>
-              <a:t> </a:t>
-            </a:r>
-            <a:r>
-              <a:rPr lang="en-US" sz="1800" dirty="0">
-                <a:solidFill>
-                  <a:srgbClr val="010202"/>
-                </a:solidFill>
-                <a:effectLst/>
-                <a:latin typeface="Times New Roman" panose="02020603050405020304" pitchFamily="18" charset="0"/>
-                <a:ea typeface="Times New Roman" panose="02020603050405020304" pitchFamily="18" charset="0"/>
-              </a:rPr>
-              <a:t>data</a:t>
-            </a:r>
-            <a:r>
-              <a:rPr lang="en-US" sz="1800" spc="-35" dirty="0">
-                <a:solidFill>
-                  <a:srgbClr val="010202"/>
-                </a:solidFill>
-                <a:effectLst/>
-                <a:latin typeface="Times New Roman" panose="02020603050405020304" pitchFamily="18" charset="0"/>
-                <a:ea typeface="Times New Roman" panose="02020603050405020304" pitchFamily="18" charset="0"/>
-              </a:rPr>
-              <a:t> </a:t>
-            </a:r>
-            <a:r>
-              <a:rPr lang="en-US" sz="1800" dirty="0">
-                <a:solidFill>
-                  <a:srgbClr val="010202"/>
-                </a:solidFill>
-                <a:effectLst/>
-                <a:latin typeface="Times New Roman" panose="02020603050405020304" pitchFamily="18" charset="0"/>
-                <a:ea typeface="Times New Roman" panose="02020603050405020304" pitchFamily="18" charset="0"/>
-              </a:rPr>
-              <a:t>has</a:t>
-            </a:r>
-            <a:r>
-              <a:rPr lang="en-US" sz="1800" spc="-55" dirty="0">
-                <a:solidFill>
-                  <a:srgbClr val="010202"/>
-                </a:solidFill>
-                <a:effectLst/>
-                <a:latin typeface="Times New Roman" panose="02020603050405020304" pitchFamily="18" charset="0"/>
-                <a:ea typeface="Times New Roman" panose="02020603050405020304" pitchFamily="18" charset="0"/>
-              </a:rPr>
-              <a:t> </a:t>
-            </a:r>
-            <a:r>
-              <a:rPr lang="en-US" sz="1800" dirty="0">
-                <a:solidFill>
-                  <a:srgbClr val="010202"/>
-                </a:solidFill>
-                <a:effectLst/>
-                <a:latin typeface="Times New Roman" panose="02020603050405020304" pitchFamily="18" charset="0"/>
-                <a:ea typeface="Times New Roman" panose="02020603050405020304" pitchFamily="18" charset="0"/>
-              </a:rPr>
-              <a:t>been</a:t>
-            </a:r>
-            <a:r>
-              <a:rPr lang="en-US" sz="1800" spc="-50" dirty="0">
-                <a:solidFill>
-                  <a:srgbClr val="010202"/>
-                </a:solidFill>
-                <a:effectLst/>
-                <a:latin typeface="Times New Roman" panose="02020603050405020304" pitchFamily="18" charset="0"/>
-                <a:ea typeface="Times New Roman" panose="02020603050405020304" pitchFamily="18" charset="0"/>
-              </a:rPr>
-              <a:t> </a:t>
-            </a:r>
-            <a:r>
-              <a:rPr lang="en-US" sz="1800" dirty="0">
-                <a:solidFill>
-                  <a:srgbClr val="010202"/>
-                </a:solidFill>
-                <a:effectLst/>
-                <a:latin typeface="Times New Roman" panose="02020603050405020304" pitchFamily="18" charset="0"/>
-                <a:ea typeface="Times New Roman" panose="02020603050405020304" pitchFamily="18" charset="0"/>
-              </a:rPr>
-              <a:t>sent</a:t>
-            </a:r>
-            <a:r>
-              <a:rPr lang="en-US" sz="1800" spc="-40" dirty="0">
-                <a:solidFill>
-                  <a:srgbClr val="010202"/>
-                </a:solidFill>
-                <a:effectLst/>
-                <a:latin typeface="Times New Roman" panose="02020603050405020304" pitchFamily="18" charset="0"/>
-                <a:ea typeface="Times New Roman" panose="02020603050405020304" pitchFamily="18" charset="0"/>
-              </a:rPr>
-              <a:t> </a:t>
-            </a:r>
-            <a:r>
-              <a:rPr lang="en-US" sz="1800" dirty="0">
-                <a:solidFill>
-                  <a:srgbClr val="010202"/>
-                </a:solidFill>
-                <a:effectLst/>
-                <a:latin typeface="Times New Roman" panose="02020603050405020304" pitchFamily="18" charset="0"/>
-                <a:ea typeface="Times New Roman" panose="02020603050405020304" pitchFamily="18" charset="0"/>
-              </a:rPr>
-              <a:t>to</a:t>
-            </a:r>
-            <a:r>
-              <a:rPr lang="en-US" sz="1800" spc="-30" dirty="0">
-                <a:solidFill>
-                  <a:srgbClr val="010202"/>
-                </a:solidFill>
-                <a:effectLst/>
-                <a:latin typeface="Times New Roman" panose="02020603050405020304" pitchFamily="18" charset="0"/>
-                <a:ea typeface="Times New Roman" panose="02020603050405020304" pitchFamily="18" charset="0"/>
-              </a:rPr>
-              <a:t> </a:t>
-            </a:r>
-            <a:r>
-              <a:rPr lang="en-US" sz="1800" dirty="0">
-                <a:solidFill>
-                  <a:srgbClr val="010202"/>
-                </a:solidFill>
-                <a:effectLst/>
-                <a:latin typeface="Times New Roman" panose="02020603050405020304" pitchFamily="18" charset="0"/>
-                <a:ea typeface="Times New Roman" panose="02020603050405020304" pitchFamily="18" charset="0"/>
-              </a:rPr>
-              <a:t>the</a:t>
-            </a:r>
-            <a:r>
-              <a:rPr lang="en-US" sz="1800" spc="-25" dirty="0">
-                <a:solidFill>
-                  <a:srgbClr val="010202"/>
-                </a:solidFill>
-                <a:effectLst/>
-                <a:latin typeface="Times New Roman" panose="02020603050405020304" pitchFamily="18" charset="0"/>
-                <a:ea typeface="Times New Roman" panose="02020603050405020304" pitchFamily="18" charset="0"/>
-              </a:rPr>
-              <a:t> </a:t>
-            </a:r>
-            <a:r>
-              <a:rPr lang="en-US" sz="1800" dirty="0">
-                <a:solidFill>
-                  <a:srgbClr val="010202"/>
-                </a:solidFill>
-                <a:effectLst/>
-                <a:latin typeface="Times New Roman" panose="02020603050405020304" pitchFamily="18" charset="0"/>
-                <a:ea typeface="Times New Roman" panose="02020603050405020304" pitchFamily="18" charset="0"/>
-              </a:rPr>
-              <a:t>model</a:t>
-            </a:r>
-            <a:r>
-              <a:rPr lang="en-US" sz="1800" spc="-45" dirty="0">
-                <a:solidFill>
-                  <a:srgbClr val="010202"/>
-                </a:solidFill>
-                <a:effectLst/>
-                <a:latin typeface="Times New Roman" panose="02020603050405020304" pitchFamily="18" charset="0"/>
-                <a:ea typeface="Times New Roman" panose="02020603050405020304" pitchFamily="18" charset="0"/>
-              </a:rPr>
-              <a:t> </a:t>
-            </a:r>
-            <a:r>
-              <a:rPr lang="en-US" sz="1800" dirty="0">
-                <a:solidFill>
-                  <a:srgbClr val="010202"/>
-                </a:solidFill>
-                <a:effectLst/>
-                <a:latin typeface="Times New Roman" panose="02020603050405020304" pitchFamily="18" charset="0"/>
-                <a:ea typeface="Times New Roman" panose="02020603050405020304" pitchFamily="18" charset="0"/>
-              </a:rPr>
-              <a:t>via API</a:t>
-            </a:r>
-            <a:r>
-              <a:rPr lang="en-US" sz="1800" spc="-80" dirty="0">
-                <a:solidFill>
-                  <a:srgbClr val="010202"/>
-                </a:solidFill>
-                <a:effectLst/>
-                <a:latin typeface="Times New Roman" panose="02020603050405020304" pitchFamily="18" charset="0"/>
-                <a:ea typeface="Times New Roman" panose="02020603050405020304" pitchFamily="18" charset="0"/>
-              </a:rPr>
-              <a:t> </a:t>
-            </a:r>
-            <a:r>
-              <a:rPr lang="en-US" sz="1800" dirty="0">
-                <a:solidFill>
-                  <a:srgbClr val="010202"/>
-                </a:solidFill>
-                <a:effectLst/>
-                <a:latin typeface="Times New Roman" panose="02020603050405020304" pitchFamily="18" charset="0"/>
-                <a:ea typeface="Times New Roman" panose="02020603050405020304" pitchFamily="18" charset="0"/>
-              </a:rPr>
-              <a:t>and</a:t>
-            </a:r>
-            <a:r>
-              <a:rPr lang="en-US" sz="1800" spc="-65" dirty="0">
-                <a:solidFill>
-                  <a:srgbClr val="010202"/>
-                </a:solidFill>
-                <a:effectLst/>
-                <a:latin typeface="Times New Roman" panose="02020603050405020304" pitchFamily="18" charset="0"/>
-                <a:ea typeface="Times New Roman" panose="02020603050405020304" pitchFamily="18" charset="0"/>
-              </a:rPr>
-              <a:t> </a:t>
-            </a:r>
-            <a:r>
-              <a:rPr lang="en-US" sz="1800" dirty="0">
-                <a:solidFill>
-                  <a:srgbClr val="010202"/>
-                </a:solidFill>
-                <a:effectLst/>
-                <a:latin typeface="Times New Roman" panose="02020603050405020304" pitchFamily="18" charset="0"/>
-                <a:ea typeface="Times New Roman" panose="02020603050405020304" pitchFamily="18" charset="0"/>
-              </a:rPr>
-              <a:t>by</a:t>
-            </a:r>
-            <a:r>
-              <a:rPr lang="en-US" sz="1800" spc="-85" dirty="0">
-                <a:solidFill>
-                  <a:srgbClr val="010202"/>
-                </a:solidFill>
-                <a:effectLst/>
-                <a:latin typeface="Times New Roman" panose="02020603050405020304" pitchFamily="18" charset="0"/>
-                <a:ea typeface="Times New Roman" panose="02020603050405020304" pitchFamily="18" charset="0"/>
-              </a:rPr>
-              <a:t> </a:t>
-            </a:r>
-            <a:r>
-              <a:rPr lang="en-US" sz="1800" dirty="0">
-                <a:solidFill>
-                  <a:srgbClr val="010202"/>
-                </a:solidFill>
-                <a:effectLst/>
-                <a:latin typeface="Times New Roman" panose="02020603050405020304" pitchFamily="18" charset="0"/>
-                <a:ea typeface="Times New Roman" panose="02020603050405020304" pitchFamily="18" charset="0"/>
-              </a:rPr>
-              <a:t>comparing</a:t>
-            </a:r>
-            <a:r>
-              <a:rPr lang="en-US" sz="1800" spc="-75" dirty="0">
-                <a:solidFill>
-                  <a:srgbClr val="010202"/>
-                </a:solidFill>
-                <a:effectLst/>
-                <a:latin typeface="Times New Roman" panose="02020603050405020304" pitchFamily="18" charset="0"/>
-                <a:ea typeface="Times New Roman" panose="02020603050405020304" pitchFamily="18" charset="0"/>
-              </a:rPr>
-              <a:t> </a:t>
-            </a:r>
-            <a:r>
-              <a:rPr lang="en-US" sz="1800" dirty="0">
-                <a:solidFill>
-                  <a:srgbClr val="010202"/>
-                </a:solidFill>
-                <a:effectLst/>
-                <a:latin typeface="Times New Roman" panose="02020603050405020304" pitchFamily="18" charset="0"/>
-                <a:ea typeface="Times New Roman" panose="02020603050405020304" pitchFamily="18" charset="0"/>
-              </a:rPr>
-              <a:t>the</a:t>
-            </a:r>
-            <a:r>
-              <a:rPr lang="en-US" sz="1800" spc="-55" dirty="0">
-                <a:solidFill>
-                  <a:srgbClr val="010202"/>
-                </a:solidFill>
-                <a:effectLst/>
-                <a:latin typeface="Times New Roman" panose="02020603050405020304" pitchFamily="18" charset="0"/>
-                <a:ea typeface="Times New Roman" panose="02020603050405020304" pitchFamily="18" charset="0"/>
-              </a:rPr>
-              <a:t> </a:t>
-            </a:r>
-            <a:r>
-              <a:rPr lang="en-US" sz="1800" dirty="0">
-                <a:solidFill>
-                  <a:srgbClr val="010202"/>
-                </a:solidFill>
-                <a:effectLst/>
-                <a:latin typeface="Times New Roman" panose="02020603050405020304" pitchFamily="18" charset="0"/>
-                <a:ea typeface="Times New Roman" panose="02020603050405020304" pitchFamily="18" charset="0"/>
-              </a:rPr>
-              <a:t>key</a:t>
-            </a:r>
-            <a:r>
-              <a:rPr lang="en-US" sz="1800" spc="-85" dirty="0">
-                <a:solidFill>
-                  <a:srgbClr val="010202"/>
-                </a:solidFill>
-                <a:effectLst/>
-                <a:latin typeface="Times New Roman" panose="02020603050405020304" pitchFamily="18" charset="0"/>
-                <a:ea typeface="Times New Roman" panose="02020603050405020304" pitchFamily="18" charset="0"/>
-              </a:rPr>
-              <a:t> </a:t>
-            </a:r>
-            <a:r>
-              <a:rPr lang="en-US" sz="1800" dirty="0">
-                <a:solidFill>
-                  <a:srgbClr val="010202"/>
-                </a:solidFill>
-                <a:effectLst/>
-                <a:latin typeface="Times New Roman" panose="02020603050405020304" pitchFamily="18" charset="0"/>
-                <a:ea typeface="Times New Roman" panose="02020603050405020304" pitchFamily="18" charset="0"/>
-              </a:rPr>
-              <a:t>words,</a:t>
-            </a:r>
-            <a:r>
-              <a:rPr lang="en-US" sz="1800" spc="-75" dirty="0">
-                <a:solidFill>
-                  <a:srgbClr val="010202"/>
-                </a:solidFill>
-                <a:effectLst/>
-                <a:latin typeface="Times New Roman" panose="02020603050405020304" pitchFamily="18" charset="0"/>
-                <a:ea typeface="Times New Roman" panose="02020603050405020304" pitchFamily="18" charset="0"/>
-              </a:rPr>
-              <a:t> </a:t>
-            </a:r>
-            <a:r>
-              <a:rPr lang="en-US" sz="1800" dirty="0">
-                <a:solidFill>
-                  <a:srgbClr val="010202"/>
-                </a:solidFill>
-                <a:effectLst/>
-                <a:latin typeface="Times New Roman" panose="02020603050405020304" pitchFamily="18" charset="0"/>
-                <a:ea typeface="Times New Roman" panose="02020603050405020304" pitchFamily="18" charset="0"/>
-              </a:rPr>
-              <a:t>the</a:t>
-            </a:r>
-            <a:r>
-              <a:rPr lang="en-US" sz="1800" spc="-65" dirty="0">
-                <a:solidFill>
-                  <a:srgbClr val="010202"/>
-                </a:solidFill>
-                <a:effectLst/>
-                <a:latin typeface="Times New Roman" panose="02020603050405020304" pitchFamily="18" charset="0"/>
-                <a:ea typeface="Times New Roman" panose="02020603050405020304" pitchFamily="18" charset="0"/>
-              </a:rPr>
-              <a:t> </a:t>
-            </a:r>
-            <a:r>
-              <a:rPr lang="en-US" sz="1800" dirty="0">
-                <a:solidFill>
-                  <a:srgbClr val="010202"/>
-                </a:solidFill>
-                <a:effectLst/>
-                <a:latin typeface="Times New Roman" panose="02020603050405020304" pitchFamily="18" charset="0"/>
-                <a:ea typeface="Times New Roman" panose="02020603050405020304" pitchFamily="18" charset="0"/>
-              </a:rPr>
-              <a:t>model</a:t>
-            </a:r>
-            <a:r>
-              <a:rPr lang="en-US" sz="1800" spc="-70" dirty="0">
-                <a:solidFill>
-                  <a:srgbClr val="010202"/>
-                </a:solidFill>
-                <a:effectLst/>
-                <a:latin typeface="Times New Roman" panose="02020603050405020304" pitchFamily="18" charset="0"/>
-                <a:ea typeface="Times New Roman" panose="02020603050405020304" pitchFamily="18" charset="0"/>
-              </a:rPr>
-              <a:t> </a:t>
-            </a:r>
-            <a:r>
-              <a:rPr lang="en-US" sz="1800" dirty="0">
-                <a:solidFill>
-                  <a:srgbClr val="010202"/>
-                </a:solidFill>
-                <a:effectLst/>
-                <a:latin typeface="Times New Roman" panose="02020603050405020304" pitchFamily="18" charset="0"/>
-                <a:ea typeface="Times New Roman" panose="02020603050405020304" pitchFamily="18" charset="0"/>
-              </a:rPr>
-              <a:t>the</a:t>
-            </a:r>
-            <a:r>
-              <a:rPr lang="en-US" sz="1800" spc="-75" dirty="0">
-                <a:solidFill>
-                  <a:srgbClr val="010202"/>
-                </a:solidFill>
-                <a:effectLst/>
-                <a:latin typeface="Times New Roman" panose="02020603050405020304" pitchFamily="18" charset="0"/>
-                <a:ea typeface="Times New Roman" panose="02020603050405020304" pitchFamily="18" charset="0"/>
-              </a:rPr>
-              <a:t> </a:t>
-            </a:r>
-            <a:r>
-              <a:rPr lang="en-US" sz="1800" dirty="0">
-                <a:solidFill>
-                  <a:srgbClr val="010202"/>
-                </a:solidFill>
-                <a:effectLst/>
-                <a:latin typeface="Times New Roman" panose="02020603050405020304" pitchFamily="18" charset="0"/>
-                <a:ea typeface="Times New Roman" panose="02020603050405020304" pitchFamily="18" charset="0"/>
-              </a:rPr>
-              <a:t>classified human emotions as the</a:t>
-            </a:r>
-            <a:r>
-              <a:rPr lang="en-US" sz="1800" spc="-30" dirty="0">
-                <a:solidFill>
-                  <a:srgbClr val="010202"/>
-                </a:solidFill>
-                <a:effectLst/>
-                <a:latin typeface="Times New Roman" panose="02020603050405020304" pitchFamily="18" charset="0"/>
-                <a:ea typeface="Times New Roman" panose="02020603050405020304" pitchFamily="18" charset="0"/>
-              </a:rPr>
-              <a:t> </a:t>
-            </a:r>
-            <a:r>
-              <a:rPr lang="en-US" sz="1800" dirty="0">
-                <a:solidFill>
-                  <a:srgbClr val="010202"/>
-                </a:solidFill>
-                <a:effectLst/>
-                <a:latin typeface="Times New Roman" panose="02020603050405020304" pitchFamily="18" charset="0"/>
-                <a:ea typeface="Times New Roman" panose="02020603050405020304" pitchFamily="18" charset="0"/>
-              </a:rPr>
-              <a:t>output.</a:t>
-            </a:r>
-            <a:endParaRPr lang="en-US" sz="1800" dirty="0">
-              <a:effectLst/>
-              <a:latin typeface="Times New Roman" panose="02020603050405020304" pitchFamily="18" charset="0"/>
-              <a:ea typeface="Times New Roman" panose="02020603050405020304" pitchFamily="18" charset="0"/>
-            </a:endParaRPr>
-          </a:p>
-          <a:p>
-            <a:endParaRPr lang="en-US" sz="1800" spc="-5" dirty="0">
-              <a:effectLst/>
-              <a:latin typeface="Times New Roman" panose="02020603050405020304" pitchFamily="18" charset="0"/>
-              <a:ea typeface="Times New Roman" panose="02020603050405020304" pitchFamily="18" charset="0"/>
-            </a:endParaRPr>
-          </a:p>
-          <a:p>
-            <a:endParaRPr lang="en-US" dirty="0"/>
+              <a:rPr lang="en-US" dirty="0"/>
+              <a:t>As the first step, the system has collected data via Facebook Graph API and comments have been returned as a Json object.</a:t>
+            </a:r>
+          </a:p>
+          <a:p>
+            <a:r>
+              <a:rPr lang="en-US" dirty="0"/>
+              <a:t>After that, the collected data has been assigned to a list which includes comments put up during the last hour</a:t>
+            </a:r>
+          </a:p>
+          <a:p>
+            <a:r>
+              <a:rPr lang="en-US" dirty="0"/>
+              <a:t>As the next step, preprocessing has been performed. The resulted values have been sent to the model as a byte array. Then, the model has classified the comments one by one and resulted in the output. Finally, among the resulted values, the system has returned the maximum emotion with an image, and all the results, including sadness, happiness, anger and surprise are displayed in a pie chart.</a:t>
+            </a:r>
           </a:p>
         </p:txBody>
       </p:sp>
     </p:spTree>
     <p:extLst>
       <p:ext uri="{BB962C8B-B14F-4D97-AF65-F5344CB8AC3E}">
-        <p14:creationId xmlns:p14="http://schemas.microsoft.com/office/powerpoint/2010/main" val="1896617565"/>
+        <p14:creationId xmlns:p14="http://schemas.microsoft.com/office/powerpoint/2010/main" val="1791490996"/>
       </p:ext>
     </p:extLst>
   </p:cSld>
@@ -7964,91 +7145,116 @@
           <a:chExt cx="0" cy="0"/>
         </a:xfrm>
       </p:grpSpPr>
-      <p:sp>
-        <p:nvSpPr>
-          <p:cNvPr id="2" name="Title 1">
+      <p:pic>
+        <p:nvPicPr>
+          <p:cNvPr id="7" name="Content Placeholder 6" descr="Graphical user interface, text&#10;&#10;Description automatically generated">
             <a:extLst>
               <a:ext uri="{FF2B5EF4-FFF2-40B4-BE49-F238E27FC236}">
-                <a16:creationId xmlns:a16="http://schemas.microsoft.com/office/drawing/2014/main" id="{91ECA8FE-B829-4317-85C9-11B99787E37A}"/>
+                <a16:creationId xmlns:a16="http://schemas.microsoft.com/office/drawing/2014/main" id="{79E88E0F-1917-4FA4-A038-A19A7E5C7879}"/>
               </a:ext>
             </a:extLst>
           </p:cNvPr>
-          <p:cNvSpPr>
-            <a:spLocks noGrp="1"/>
-          </p:cNvSpPr>
-          <p:nvPr>
-            <p:ph type="title"/>
-          </p:nvPr>
-        </p:nvSpPr>
-        <p:spPr/>
-        <p:txBody>
-          <a:bodyPr>
-            <a:normAutofit/>
-          </a:bodyPr>
-          <a:lstStyle/>
-          <a:p>
-            <a:r>
-              <a:rPr lang="en-US" sz="2400" b="1" dirty="0">
-                <a:latin typeface="Times New Roman" panose="02020603050405020304" pitchFamily="18" charset="0"/>
-                <a:cs typeface="Times New Roman" panose="02020603050405020304" pitchFamily="18" charset="0"/>
-              </a:rPr>
-              <a:t>CONCLUSION</a:t>
-            </a:r>
-          </a:p>
-        </p:txBody>
-      </p:sp>
-      <p:sp>
-        <p:nvSpPr>
-          <p:cNvPr id="3" name="Content Placeholder 2">
+          <p:cNvPicPr>
+            <a:picLocks noGrp="1" noChangeAspect="1"/>
+          </p:cNvPicPr>
+          <p:nvPr>
+            <p:ph idx="1"/>
+          </p:nvPr>
+        </p:nvPicPr>
+        <p:blipFill>
+          <a:blip r:embed="rId2">
+            <a:extLst>
+              <a:ext uri="{28A0092B-C50C-407E-A947-70E740481C1C}">
+                <a14:useLocalDpi xmlns:a14="http://schemas.microsoft.com/office/drawing/2010/main" val="0"/>
+              </a:ext>
+            </a:extLst>
+          </a:blip>
+          <a:stretch>
+            <a:fillRect/>
+          </a:stretch>
+        </p:blipFill>
+        <p:spPr>
+          <a:xfrm>
+            <a:off x="2432481" y="4485580"/>
+            <a:ext cx="5104659" cy="2118544"/>
+          </a:xfrm>
+        </p:spPr>
+      </p:pic>
+      <p:sp>
+        <p:nvSpPr>
+          <p:cNvPr id="9" name="TextBox 8">
             <a:extLst>
               <a:ext uri="{FF2B5EF4-FFF2-40B4-BE49-F238E27FC236}">
-                <a16:creationId xmlns:a16="http://schemas.microsoft.com/office/drawing/2014/main" id="{0EE82048-CD78-4CD3-802B-11D55C2AA99A}"/>
+                <a16:creationId xmlns:a16="http://schemas.microsoft.com/office/drawing/2014/main" id="{79D5DBE6-9DD6-44E1-89AA-1CCC1325A367}"/>
               </a:ext>
             </a:extLst>
           </p:cNvPr>
-          <p:cNvSpPr>
-            <a:spLocks noGrp="1"/>
-          </p:cNvSpPr>
-          <p:nvPr>
-            <p:ph idx="1"/>
-          </p:nvPr>
-        </p:nvSpPr>
-        <p:spPr/>
-        <p:txBody>
-          <a:bodyPr>
-            <a:normAutofit/>
+          <p:cNvSpPr txBox="1"/>
+          <p:nvPr/>
+        </p:nvSpPr>
+        <p:spPr>
+          <a:xfrm>
+            <a:off x="2195002" y="2551837"/>
+            <a:ext cx="6094520" cy="1754326"/>
+          </a:xfrm>
+          <a:prstGeom prst="rect">
+            <a:avLst/>
+          </a:prstGeom>
+          <a:noFill/>
+        </p:spPr>
+        <p:txBody>
+          <a:bodyPr wrap="square">
+            <a:spAutoFit/>
           </a:bodyPr>
           <a:lstStyle/>
           <a:p>
             <a:r>
-              <a:rPr lang="en-US" sz="1800" dirty="0">
-                <a:latin typeface="Times New Roman" panose="02020603050405020304" pitchFamily="18" charset="0"/>
-                <a:cs typeface="Times New Roman" panose="02020603050405020304" pitchFamily="18" charset="0"/>
-              </a:rPr>
-              <a:t>Feelings or emotions play a critical role in human life and people express their feelings in everyday communications. Almost all the people in the world share their emotions on social media. </a:t>
-            </a:r>
-          </a:p>
-          <a:p>
-            <a:endParaRPr lang="en-US" sz="1800" dirty="0">
-              <a:latin typeface="Times New Roman" panose="02020603050405020304" pitchFamily="18" charset="0"/>
-              <a:cs typeface="Times New Roman" panose="02020603050405020304" pitchFamily="18" charset="0"/>
-            </a:endParaRPr>
-          </a:p>
-          <a:p>
-            <a:r>
-              <a:rPr lang="en-US" sz="1800" dirty="0">
-                <a:latin typeface="Times New Roman" panose="02020603050405020304" pitchFamily="18" charset="0"/>
-                <a:cs typeface="Times New Roman" panose="02020603050405020304" pitchFamily="18" charset="0"/>
-              </a:rPr>
-              <a:t>The purpose of the research is to identify emotions of online users by using Facebook comments. Selecting Facebook from numerous social media platforms, the research specifically focuses on Facebook comments written in the English language in order to narrow down the problem.</a:t>
-            </a:r>
-          </a:p>
-        </p:txBody>
-      </p:sp>
+              <a:rPr lang="en-US" dirty="0"/>
+              <a:t>The following figure shows the most recent hourly data gathered via Facebook Graph API. It has returned the unprocessed comments and stored them inside a Json object. After that, the Json object has been deserialized and converted to a particular custom format.</a:t>
+            </a:r>
+          </a:p>
+        </p:txBody>
+      </p:sp>
+      <p:pic>
+        <p:nvPicPr>
+          <p:cNvPr id="11" name="Picture 10" descr="Graphical user interface, application, Teams&#10;&#10;Description automatically generated">
+            <a:extLst>
+              <a:ext uri="{FF2B5EF4-FFF2-40B4-BE49-F238E27FC236}">
+                <a16:creationId xmlns:a16="http://schemas.microsoft.com/office/drawing/2014/main" id="{FBB7DA6E-10A9-4083-A7F5-E4408A5C2133}"/>
+              </a:ext>
+            </a:extLst>
+          </p:cNvPr>
+          <p:cNvPicPr>
+            <a:picLocks noChangeAspect="1"/>
+          </p:cNvPicPr>
+          <p:nvPr/>
+        </p:nvPicPr>
+        <p:blipFill>
+          <a:blip r:embed="rId3">
+            <a:extLst>
+              <a:ext uri="{28A0092B-C50C-407E-A947-70E740481C1C}">
+                <a14:useLocalDpi xmlns:a14="http://schemas.microsoft.com/office/drawing/2010/main" val="0"/>
+              </a:ext>
+            </a:extLst>
+          </a:blip>
+          <a:stretch>
+            <a:fillRect/>
+          </a:stretch>
+        </p:blipFill>
+        <p:spPr>
+          <a:xfrm>
+            <a:off x="2283706" y="467255"/>
+            <a:ext cx="6094520" cy="1905165"/>
+          </a:xfrm>
+          <a:prstGeom prst="rect">
+            <a:avLst/>
+          </a:prstGeom>
+        </p:spPr>
+      </p:pic>
     </p:spTree>
     <p:extLst>
       <p:ext uri="{BB962C8B-B14F-4D97-AF65-F5344CB8AC3E}">
-        <p14:creationId xmlns:p14="http://schemas.microsoft.com/office/powerpoint/2010/main" val="1803301754"/>
+        <p14:creationId xmlns:p14="http://schemas.microsoft.com/office/powerpoint/2010/main" val="3896142119"/>
       </p:ext>
     </p:extLst>
   </p:cSld>
@@ -8077,6 +7283,117 @@
       </p:grpSpPr>
       <p:sp>
         <p:nvSpPr>
+          <p:cNvPr id="2" name="Title 1">
+            <a:extLst>
+              <a:ext uri="{FF2B5EF4-FFF2-40B4-BE49-F238E27FC236}">
+                <a16:creationId xmlns:a16="http://schemas.microsoft.com/office/drawing/2014/main" id="{91ECA8FE-B829-4317-85C9-11B99787E37A}"/>
+              </a:ext>
+            </a:extLst>
+          </p:cNvPr>
+          <p:cNvSpPr>
+            <a:spLocks noGrp="1"/>
+          </p:cNvSpPr>
+          <p:nvPr>
+            <p:ph type="title"/>
+          </p:nvPr>
+        </p:nvSpPr>
+        <p:spPr/>
+        <p:txBody>
+          <a:bodyPr>
+            <a:normAutofit/>
+          </a:bodyPr>
+          <a:lstStyle/>
+          <a:p>
+            <a:r>
+              <a:rPr lang="en-US" sz="2400" b="1" dirty="0">
+                <a:latin typeface="Times New Roman" panose="02020603050405020304" pitchFamily="18" charset="0"/>
+                <a:cs typeface="Times New Roman" panose="02020603050405020304" pitchFamily="18" charset="0"/>
+              </a:rPr>
+              <a:t>CONCLUSION</a:t>
+            </a:r>
+          </a:p>
+        </p:txBody>
+      </p:sp>
+      <p:sp>
+        <p:nvSpPr>
+          <p:cNvPr id="3" name="Content Placeholder 2">
+            <a:extLst>
+              <a:ext uri="{FF2B5EF4-FFF2-40B4-BE49-F238E27FC236}">
+                <a16:creationId xmlns:a16="http://schemas.microsoft.com/office/drawing/2014/main" id="{0EE82048-CD78-4CD3-802B-11D55C2AA99A}"/>
+              </a:ext>
+            </a:extLst>
+          </p:cNvPr>
+          <p:cNvSpPr>
+            <a:spLocks noGrp="1"/>
+          </p:cNvSpPr>
+          <p:nvPr>
+            <p:ph idx="1"/>
+          </p:nvPr>
+        </p:nvSpPr>
+        <p:spPr/>
+        <p:txBody>
+          <a:bodyPr>
+            <a:normAutofit/>
+          </a:bodyPr>
+          <a:lstStyle/>
+          <a:p>
+            <a:r>
+              <a:rPr lang="en-US" sz="1800" dirty="0">
+                <a:latin typeface="Times New Roman" panose="02020603050405020304" pitchFamily="18" charset="0"/>
+                <a:cs typeface="Times New Roman" panose="02020603050405020304" pitchFamily="18" charset="0"/>
+              </a:rPr>
+              <a:t>Feelings or emotions play a critical role in human life and people express their feelings in everyday communications. Almost all the people in the world share their emotions on social media. </a:t>
+            </a:r>
+          </a:p>
+          <a:p>
+            <a:endParaRPr lang="en-US" sz="1800" dirty="0">
+              <a:latin typeface="Times New Roman" panose="02020603050405020304" pitchFamily="18" charset="0"/>
+              <a:cs typeface="Times New Roman" panose="02020603050405020304" pitchFamily="18" charset="0"/>
+            </a:endParaRPr>
+          </a:p>
+          <a:p>
+            <a:r>
+              <a:rPr lang="en-US" sz="1800" dirty="0">
+                <a:latin typeface="Times New Roman" panose="02020603050405020304" pitchFamily="18" charset="0"/>
+                <a:cs typeface="Times New Roman" panose="02020603050405020304" pitchFamily="18" charset="0"/>
+              </a:rPr>
+              <a:t>The purpose of the research is to identify emotions of online users by using Facebook comments. Selecting Facebook from numerous social media platforms, the research specifically focuses on Facebook comments written in the English language in order to narrow down the problem.</a:t>
+            </a:r>
+          </a:p>
+        </p:txBody>
+      </p:sp>
+    </p:spTree>
+    <p:extLst>
+      <p:ext uri="{BB962C8B-B14F-4D97-AF65-F5344CB8AC3E}">
+        <p14:creationId xmlns:p14="http://schemas.microsoft.com/office/powerpoint/2010/main" val="1803301754"/>
+      </p:ext>
+    </p:extLst>
+  </p:cSld>
+  <p:clrMapOvr>
+    <a:masterClrMapping/>
+  </p:clrMapOvr>
+</p:sld>
+</file>
+
+<file path=ppt/slides/slide15.xml><?xml version="1.0" encoding="utf-8"?>
+<p:sld xmlns:a="http://schemas.openxmlformats.org/drawingml/2006/main" xmlns:r="http://schemas.openxmlformats.org/officeDocument/2006/relationships" xmlns:p="http://schemas.openxmlformats.org/presentationml/2006/main">
+  <p:cSld>
+    <p:spTree>
+      <p:nvGrpSpPr>
+        <p:cNvPr id="1" name=""/>
+        <p:cNvGrpSpPr/>
+        <p:nvPr/>
+      </p:nvGrpSpPr>
+      <p:grpSpPr>
+        <a:xfrm>
+          <a:off x="0" y="0"/>
+          <a:ext cx="0" cy="0"/>
+          <a:chOff x="0" y="0"/>
+          <a:chExt cx="0" cy="0"/>
+        </a:xfrm>
+      </p:grpSpPr>
+      <p:sp>
+        <p:nvSpPr>
           <p:cNvPr id="3" name="Content Placeholder 2">
             <a:extLst>
               <a:ext uri="{FF2B5EF4-FFF2-40B4-BE49-F238E27FC236}">
@@ -8120,6 +7437,77 @@
     <p:extLst>
       <p:ext uri="{BB962C8B-B14F-4D97-AF65-F5344CB8AC3E}">
         <p14:creationId xmlns:p14="http://schemas.microsoft.com/office/powerpoint/2010/main" val="1865360259"/>
+      </p:ext>
+    </p:extLst>
+  </p:cSld>
+  <p:clrMapOvr>
+    <a:masterClrMapping/>
+  </p:clrMapOvr>
+</p:sld>
+</file>
+
+<file path=ppt/slides/slide16.xml><?xml version="1.0" encoding="utf-8"?>
+<p:sld xmlns:a="http://schemas.openxmlformats.org/drawingml/2006/main" xmlns:r="http://schemas.openxmlformats.org/officeDocument/2006/relationships" xmlns:p="http://schemas.openxmlformats.org/presentationml/2006/main">
+  <p:cSld>
+    <p:spTree>
+      <p:nvGrpSpPr>
+        <p:cNvPr id="1" name=""/>
+        <p:cNvGrpSpPr/>
+        <p:nvPr/>
+      </p:nvGrpSpPr>
+      <p:grpSpPr>
+        <a:xfrm>
+          <a:off x="0" y="0"/>
+          <a:ext cx="0" cy="0"/>
+          <a:chOff x="0" y="0"/>
+          <a:chExt cx="0" cy="0"/>
+        </a:xfrm>
+      </p:grpSpPr>
+      <p:sp>
+        <p:nvSpPr>
+          <p:cNvPr id="3" name="Content Placeholder 2">
+            <a:extLst>
+              <a:ext uri="{FF2B5EF4-FFF2-40B4-BE49-F238E27FC236}">
+                <a16:creationId xmlns:a16="http://schemas.microsoft.com/office/drawing/2014/main" id="{5BB5AAB7-6847-417B-B2B3-D08C507670B2}"/>
+              </a:ext>
+            </a:extLst>
+          </p:cNvPr>
+          <p:cNvSpPr>
+            <a:spLocks noGrp="1"/>
+          </p:cNvSpPr>
+          <p:nvPr>
+            <p:ph idx="1"/>
+          </p:nvPr>
+        </p:nvSpPr>
+        <p:spPr>
+          <a:xfrm>
+            <a:off x="1622729" y="2773140"/>
+            <a:ext cx="8946541" cy="1311719"/>
+          </a:xfrm>
+        </p:spPr>
+        <p:txBody>
+          <a:bodyPr>
+            <a:normAutofit/>
+          </a:bodyPr>
+          <a:lstStyle/>
+          <a:p>
+            <a:pPr marL="0" indent="0" algn="ctr">
+              <a:buNone/>
+            </a:pPr>
+            <a:r>
+              <a:rPr lang="en-US" sz="6000" b="1" dirty="0">
+                <a:latin typeface="Times New Roman" panose="02020603050405020304" pitchFamily="18" charset="0"/>
+                <a:cs typeface="Times New Roman" panose="02020603050405020304" pitchFamily="18" charset="0"/>
+              </a:rPr>
+              <a:t>Q &amp; A</a:t>
+            </a:r>
+          </a:p>
+        </p:txBody>
+      </p:sp>
+    </p:spTree>
+    <p:extLst>
+      <p:ext uri="{BB962C8B-B14F-4D97-AF65-F5344CB8AC3E}">
+        <p14:creationId xmlns:p14="http://schemas.microsoft.com/office/powerpoint/2010/main" val="1989827780"/>
       </p:ext>
     </p:extLst>
   </p:cSld>
@@ -8174,7 +7562,7 @@
                 <a:latin typeface="Times New Roman" panose="02020603050405020304" pitchFamily="18" charset="0"/>
                 <a:cs typeface="Times New Roman" panose="02020603050405020304" pitchFamily="18" charset="0"/>
               </a:rPr>
-              <a:t>NLP Definition</a:t>
+              <a:t>Contents to be covered</a:t>
             </a:r>
           </a:p>
         </p:txBody>
@@ -8203,50 +7591,126 @@
           <a:lstStyle/>
           <a:p>
             <a:r>
+              <a:rPr lang="en-US" dirty="0">
+                <a:latin typeface="Times New Roman" panose="02020603050405020304" pitchFamily="18" charset="0"/>
+                <a:cs typeface="Times New Roman" panose="02020603050405020304" pitchFamily="18" charset="0"/>
+              </a:rPr>
+              <a:t>Abstract</a:t>
+            </a:r>
+          </a:p>
+          <a:p>
+            <a:r>
               <a:rPr lang="en-US" sz="2000" dirty="0">
                 <a:latin typeface="Times New Roman" panose="02020603050405020304" pitchFamily="18" charset="0"/>
                 <a:cs typeface="Times New Roman" panose="02020603050405020304" pitchFamily="18" charset="0"/>
               </a:rPr>
-              <a:t>NLP </a:t>
-            </a:r>
-            <a:r>
-              <a:rPr lang="en-US" sz="2000" b="0" i="0" dirty="0">
-                <a:effectLst/>
+              <a:t>Introduction</a:t>
+            </a:r>
+          </a:p>
+          <a:p>
+            <a:r>
+              <a:rPr lang="en-US" sz="2000" b="1" dirty="0">
+                <a:effectLst/>
+                <a:latin typeface="Times New Roman" panose="02020603050405020304" pitchFamily="18" charset="0"/>
+                <a:ea typeface="Times New Roman" panose="02020603050405020304" pitchFamily="18" charset="0"/>
+              </a:rPr>
+              <a:t>Sentiment analysis</a:t>
+            </a:r>
+          </a:p>
+          <a:p>
+            <a:r>
+              <a:rPr lang="en-US" sz="2000" b="1" dirty="0">
+                <a:effectLst/>
+                <a:latin typeface="Times New Roman" panose="02020603050405020304" pitchFamily="18" charset="0"/>
+                <a:ea typeface="Times New Roman" panose="02020603050405020304" pitchFamily="18" charset="0"/>
+              </a:rPr>
+              <a:t>Semantic</a:t>
+            </a:r>
+            <a:r>
+              <a:rPr lang="en-US" sz="2000" b="1" spc="-5" dirty="0">
+                <a:effectLst/>
+                <a:latin typeface="Times New Roman" panose="02020603050405020304" pitchFamily="18" charset="0"/>
+                <a:ea typeface="Times New Roman" panose="02020603050405020304" pitchFamily="18" charset="0"/>
+              </a:rPr>
+              <a:t> </a:t>
+            </a:r>
+            <a:r>
+              <a:rPr lang="en-US" sz="2000" b="1" dirty="0">
+                <a:effectLst/>
+                <a:latin typeface="Times New Roman" panose="02020603050405020304" pitchFamily="18" charset="0"/>
+                <a:ea typeface="Times New Roman" panose="02020603050405020304" pitchFamily="18" charset="0"/>
+              </a:rPr>
+              <a:t>Analysis</a:t>
+            </a:r>
+          </a:p>
+          <a:p>
+            <a:r>
+              <a:rPr lang="en-US" sz="2000" b="1" dirty="0">
+                <a:effectLst/>
+                <a:latin typeface="Times New Roman" panose="02020603050405020304" pitchFamily="18" charset="0"/>
+                <a:ea typeface="Times New Roman" panose="02020603050405020304" pitchFamily="18" charset="0"/>
+              </a:rPr>
+              <a:t>Natural Language</a:t>
+            </a:r>
+            <a:r>
+              <a:rPr lang="en-US" sz="2000" b="1" spc="-20" dirty="0">
+                <a:effectLst/>
+                <a:latin typeface="Times New Roman" panose="02020603050405020304" pitchFamily="18" charset="0"/>
+                <a:ea typeface="Times New Roman" panose="02020603050405020304" pitchFamily="18" charset="0"/>
+              </a:rPr>
+              <a:t> </a:t>
+            </a:r>
+            <a:r>
+              <a:rPr lang="en-US" sz="2000" b="1" dirty="0">
+                <a:effectLst/>
+                <a:latin typeface="Times New Roman" panose="02020603050405020304" pitchFamily="18" charset="0"/>
+                <a:ea typeface="Times New Roman" panose="02020603050405020304" pitchFamily="18" charset="0"/>
+              </a:rPr>
+              <a:t>Processing</a:t>
+            </a:r>
+          </a:p>
+          <a:p>
+            <a:r>
+              <a:rPr lang="en-US" sz="2000" b="1" i="1" dirty="0">
+                <a:effectLst/>
+                <a:latin typeface="Times New Roman" panose="02020603050405020304" pitchFamily="18" charset="0"/>
+                <a:ea typeface="Times New Roman" panose="02020603050405020304" pitchFamily="18" charset="0"/>
+              </a:rPr>
+              <a:t>Ontology</a:t>
+            </a:r>
+          </a:p>
+          <a:p>
+            <a:r>
+              <a:rPr lang="en-US" b="1" i="1" dirty="0">
                 <a:latin typeface="Times New Roman" panose="02020603050405020304" pitchFamily="18" charset="0"/>
                 <a:cs typeface="Times New Roman" panose="02020603050405020304" pitchFamily="18" charset="0"/>
               </a:rPr>
-              <a:t>is a subfield of computer Science, and Artificial </a:t>
-            </a:r>
-            <a:r>
-              <a:rPr lang="en-US" sz="2000" b="0" i="0" dirty="0" err="1">
-                <a:effectLst/>
+              <a:t>Explanation of Example</a:t>
+            </a:r>
+          </a:p>
+          <a:p>
+            <a:r>
+              <a:rPr lang="en-US" sz="2000" b="1" i="1" dirty="0">
                 <a:latin typeface="Times New Roman" panose="02020603050405020304" pitchFamily="18" charset="0"/>
                 <a:cs typeface="Times New Roman" panose="02020603050405020304" pitchFamily="18" charset="0"/>
               </a:rPr>
-              <a:t>intellegentconcerned</a:t>
-            </a:r>
-            <a:r>
-              <a:rPr lang="en-US" sz="2000" b="0" i="0" dirty="0">
-                <a:effectLst/>
+              <a:t>Exper</a:t>
+            </a:r>
+            <a:r>
+              <a:rPr lang="en-US" b="1" i="1" dirty="0">
                 <a:latin typeface="Times New Roman" panose="02020603050405020304" pitchFamily="18" charset="0"/>
                 <a:cs typeface="Times New Roman" panose="02020603050405020304" pitchFamily="18" charset="0"/>
               </a:rPr>
-              <a:t> with the interactions between computers and human language, in particular how to program computers to process and analyze large amounts of </a:t>
-            </a:r>
-            <a:r>
-              <a:rPr lang="en-US" sz="2000" dirty="0">
+              <a:t>imental results</a:t>
+            </a:r>
+          </a:p>
+          <a:p>
+            <a:r>
+              <a:rPr lang="en-US" sz="2000" b="1" i="1" dirty="0">
                 <a:latin typeface="Times New Roman" panose="02020603050405020304" pitchFamily="18" charset="0"/>
                 <a:cs typeface="Times New Roman" panose="02020603050405020304" pitchFamily="18" charset="0"/>
               </a:rPr>
-              <a:t>N</a:t>
-            </a:r>
-            <a:r>
-              <a:rPr lang="en-US" sz="2000" b="0" i="0" dirty="0">
-                <a:effectLst/>
-                <a:latin typeface="Times New Roman" panose="02020603050405020304" pitchFamily="18" charset="0"/>
-                <a:cs typeface="Times New Roman" panose="02020603050405020304" pitchFamily="18" charset="0"/>
-              </a:rPr>
-              <a:t>atural Language data. The goal is a computer capable of "understanding" the contents of documents, including the contextual nuances of the language within them. The technology can then accurately extract information and insights contained in the documents as well as categorize and organize the documents themselves.</a:t>
+              <a:t>Conclusion</a:t>
             </a:r>
             <a:endParaRPr lang="en-US" sz="2000" dirty="0">
               <a:latin typeface="Times New Roman" panose="02020603050405020304" pitchFamily="18" charset="0"/>
@@ -9626,97 +9090,6 @@
               <a:ea typeface="Times New Roman" panose="02020603050405020304" pitchFamily="18" charset="0"/>
             </a:endParaRPr>
           </a:p>
-          <a:p>
-            <a:r>
-              <a:rPr lang="en-US" sz="1800" dirty="0">
-                <a:effectLst/>
-                <a:latin typeface="Times New Roman" panose="02020603050405020304" pitchFamily="18" charset="0"/>
-                <a:ea typeface="Times New Roman" panose="02020603050405020304" pitchFamily="18" charset="0"/>
-              </a:rPr>
-              <a:t>These</a:t>
-            </a:r>
-            <a:r>
-              <a:rPr lang="en-US" sz="1800" spc="-40" dirty="0">
-                <a:effectLst/>
-                <a:latin typeface="Times New Roman" panose="02020603050405020304" pitchFamily="18" charset="0"/>
-                <a:ea typeface="Times New Roman" panose="02020603050405020304" pitchFamily="18" charset="0"/>
-              </a:rPr>
-              <a:t> </a:t>
-            </a:r>
-            <a:r>
-              <a:rPr lang="en-US" sz="1800" dirty="0">
-                <a:effectLst/>
-                <a:latin typeface="Times New Roman" panose="02020603050405020304" pitchFamily="18" charset="0"/>
-                <a:ea typeface="Times New Roman" panose="02020603050405020304" pitchFamily="18" charset="0"/>
-              </a:rPr>
-              <a:t>tools</a:t>
-            </a:r>
-            <a:r>
-              <a:rPr lang="en-US" sz="1800" spc="-45" dirty="0">
-                <a:effectLst/>
-                <a:latin typeface="Times New Roman" panose="02020603050405020304" pitchFamily="18" charset="0"/>
-                <a:ea typeface="Times New Roman" panose="02020603050405020304" pitchFamily="18" charset="0"/>
-              </a:rPr>
-              <a:t> </a:t>
-            </a:r>
-            <a:r>
-              <a:rPr lang="en-US" sz="1800" dirty="0">
-                <a:effectLst/>
-                <a:latin typeface="Times New Roman" panose="02020603050405020304" pitchFamily="18" charset="0"/>
-                <a:ea typeface="Times New Roman" panose="02020603050405020304" pitchFamily="18" charset="0"/>
-              </a:rPr>
-              <a:t>help</a:t>
-            </a:r>
-            <a:r>
-              <a:rPr lang="en-US" sz="1800" spc="-35" dirty="0">
-                <a:effectLst/>
-                <a:latin typeface="Times New Roman" panose="02020603050405020304" pitchFamily="18" charset="0"/>
-                <a:ea typeface="Times New Roman" panose="02020603050405020304" pitchFamily="18" charset="0"/>
-              </a:rPr>
-              <a:t> </a:t>
-            </a:r>
-            <a:r>
-              <a:rPr lang="en-US" sz="1800" dirty="0">
-                <a:effectLst/>
-                <a:latin typeface="Times New Roman" panose="02020603050405020304" pitchFamily="18" charset="0"/>
-                <a:ea typeface="Times New Roman" panose="02020603050405020304" pitchFamily="18" charset="0"/>
-              </a:rPr>
-              <a:t>developers</a:t>
-            </a:r>
-            <a:r>
-              <a:rPr lang="en-US" sz="1800" spc="-45" dirty="0">
-                <a:effectLst/>
-                <a:latin typeface="Times New Roman" panose="02020603050405020304" pitchFamily="18" charset="0"/>
-                <a:ea typeface="Times New Roman" panose="02020603050405020304" pitchFamily="18" charset="0"/>
-              </a:rPr>
-              <a:t> </a:t>
-            </a:r>
-            <a:r>
-              <a:rPr lang="en-US" sz="1800" dirty="0">
-                <a:effectLst/>
-                <a:latin typeface="Times New Roman" panose="02020603050405020304" pitchFamily="18" charset="0"/>
-                <a:ea typeface="Times New Roman" panose="02020603050405020304" pitchFamily="18" charset="0"/>
-              </a:rPr>
-              <a:t>design</a:t>
-            </a:r>
-            <a:r>
-              <a:rPr lang="en-US" sz="1800" spc="-30" dirty="0">
-                <a:effectLst/>
-                <a:latin typeface="Times New Roman" panose="02020603050405020304" pitchFamily="18" charset="0"/>
-                <a:ea typeface="Times New Roman" panose="02020603050405020304" pitchFamily="18" charset="0"/>
-              </a:rPr>
-              <a:t> </a:t>
-            </a:r>
-            <a:r>
-              <a:rPr lang="en-US" sz="1800" dirty="0">
-                <a:effectLst/>
-                <a:latin typeface="Times New Roman" panose="02020603050405020304" pitchFamily="18" charset="0"/>
-                <a:ea typeface="Times New Roman" panose="02020603050405020304" pitchFamily="18" charset="0"/>
-              </a:rPr>
-              <a:t>practical tech applications. Several areas of interest have been established in NLP. Therefore, the core areas' most important activities concentrate on mining named persons, extracting knowledge from texts, translating texts between languages, summarizing written works, inferring answers by inference algorithms, and classifying and clustering papers.</a:t>
-            </a:r>
-            <a:endParaRPr lang="en-US" dirty="0"/>
-          </a:p>
         </p:txBody>
       </p:sp>
     </p:spTree>
@@ -9754,7 +9127,7 @@
           <p:cNvPr id="2" name="Title 1">
             <a:extLst>
               <a:ext uri="{FF2B5EF4-FFF2-40B4-BE49-F238E27FC236}">
-                <a16:creationId xmlns:a16="http://schemas.microsoft.com/office/drawing/2014/main" id="{D9B8F970-FB64-4FC9-A47B-21C8256FB529}"/>
+                <a16:creationId xmlns:a16="http://schemas.microsoft.com/office/drawing/2014/main" id="{C3681C47-D9AC-4FD4-8DA4-2525521A2243}"/>
               </a:ext>
             </a:extLst>
           </p:cNvPr>
@@ -9773,21 +9146,12 @@
           <a:lstStyle/>
           <a:p>
             <a:r>
-              <a:rPr lang="en-US" sz="2400" b="1" i="1" dirty="0">
-                <a:effectLst/>
-                <a:latin typeface="Times New Roman" panose="02020603050405020304" pitchFamily="18" charset="0"/>
-                <a:ea typeface="Times New Roman" panose="02020603050405020304" pitchFamily="18" charset="0"/>
-              </a:rPr>
-              <a:t>Ontology</a:t>
-            </a:r>
-            <a:br>
               <a:rPr lang="en-US" sz="2400" b="1" dirty="0">
-                <a:effectLst/>
-                <a:latin typeface="Times New Roman" panose="02020603050405020304" pitchFamily="18" charset="0"/>
-                <a:ea typeface="Times New Roman" panose="02020603050405020304" pitchFamily="18" charset="0"/>
-              </a:rPr>
-            </a:br>
-            <a:endParaRPr lang="en-US" sz="2400" b="1" dirty="0"/>
+                <a:latin typeface="Times New Roman" panose="02020603050405020304" pitchFamily="18" charset="0"/>
+                <a:cs typeface="Times New Roman" panose="02020603050405020304" pitchFamily="18" charset="0"/>
+              </a:rPr>
+              <a:t>Example</a:t>
+            </a:r>
           </a:p>
         </p:txBody>
       </p:sp>
@@ -9796,7 +9160,7 @@
           <p:cNvPr id="3" name="Content Placeholder 2">
             <a:extLst>
               <a:ext uri="{FF2B5EF4-FFF2-40B4-BE49-F238E27FC236}">
-                <a16:creationId xmlns:a16="http://schemas.microsoft.com/office/drawing/2014/main" id="{BEE3FBE1-C7AC-47FA-A3B9-627478375D16}"/>
+                <a16:creationId xmlns:a16="http://schemas.microsoft.com/office/drawing/2014/main" id="{6C8E52CE-0EB1-4C95-998D-D00A5CBF5BD7}"/>
               </a:ext>
             </a:extLst>
           </p:cNvPr>
@@ -9809,7 +9173,9 @@
         </p:nvSpPr>
         <p:spPr/>
         <p:txBody>
-          <a:bodyPr/>
+          <a:bodyPr>
+            <a:normAutofit lnSpcReduction="10000"/>
+          </a:bodyPr>
           <a:lstStyle/>
           <a:p>
             <a:r>
@@ -9818,7 +9184,35 @@
                 <a:latin typeface="Times New Roman" panose="02020603050405020304" pitchFamily="18" charset="0"/>
                 <a:ea typeface="Times New Roman" panose="02020603050405020304" pitchFamily="18" charset="0"/>
               </a:rPr>
-              <a:t>The SAGE Online Dictionary of Social Science Methods describes ontology as "a concept concerned with the existence of, and relationships between, different aspects of society such as social actors, cultural</a:t>
+              <a:t>In order to classify human emotions, the developed system includes a few major steps.</a:t>
+            </a:r>
+          </a:p>
+          <a:p>
+            <a:pPr>
+              <a:buFont typeface="Wingdings" panose="05000000000000000000" pitchFamily="2" charset="2"/>
+              <a:buChar char="Ø"/>
+            </a:pPr>
+            <a:r>
+              <a:rPr lang="en-US" sz="1800" dirty="0">
+                <a:effectLst/>
+                <a:latin typeface="Times New Roman" panose="02020603050405020304" pitchFamily="18" charset="0"/>
+                <a:ea typeface="Times New Roman" panose="02020603050405020304" pitchFamily="18" charset="0"/>
+              </a:rPr>
+              <a:t> As the first step, the system collects Facebook comments on a particular business page, which is already published. </a:t>
+            </a:r>
+          </a:p>
+          <a:p>
+            <a:pPr>
+              <a:buFont typeface="Wingdings" panose="05000000000000000000" pitchFamily="2" charset="2"/>
+              <a:buChar char="Ø"/>
+            </a:pPr>
+            <a:r>
+              <a:rPr lang="en-US" sz="1800" dirty="0">
+                <a:effectLst/>
+                <a:latin typeface="Times New Roman" panose="02020603050405020304" pitchFamily="18" charset="0"/>
+                <a:ea typeface="Times New Roman" panose="02020603050405020304" pitchFamily="18" charset="0"/>
+              </a:rPr>
+              <a:t>The next step is to preprocess</a:t>
             </a:r>
             <a:r>
               <a:rPr lang="en-US" sz="1800" spc="-40" dirty="0">
@@ -9834,7 +9228,55 @@
                 <a:latin typeface="Times New Roman" panose="02020603050405020304" pitchFamily="18" charset="0"/>
                 <a:ea typeface="Times New Roman" panose="02020603050405020304" pitchFamily="18" charset="0"/>
               </a:rPr>
-              <a:t>norms</a:t>
+              <a:t>the</a:t>
+            </a:r>
+            <a:r>
+              <a:rPr lang="en-US" sz="1800" spc="-30" dirty="0">
+                <a:effectLst/>
+                <a:latin typeface="Times New Roman" panose="02020603050405020304" pitchFamily="18" charset="0"/>
+                <a:ea typeface="Times New Roman" panose="02020603050405020304" pitchFamily="18" charset="0"/>
+              </a:rPr>
+              <a:t> </a:t>
+            </a:r>
+            <a:r>
+              <a:rPr lang="en-US" sz="1800" dirty="0">
+                <a:effectLst/>
+                <a:latin typeface="Times New Roman" panose="02020603050405020304" pitchFamily="18" charset="0"/>
+                <a:ea typeface="Times New Roman" panose="02020603050405020304" pitchFamily="18" charset="0"/>
+              </a:rPr>
+              <a:t>collected</a:t>
+            </a:r>
+            <a:r>
+              <a:rPr lang="en-US" sz="1800" spc="-20" dirty="0">
+                <a:effectLst/>
+                <a:latin typeface="Times New Roman" panose="02020603050405020304" pitchFamily="18" charset="0"/>
+                <a:ea typeface="Times New Roman" panose="02020603050405020304" pitchFamily="18" charset="0"/>
+              </a:rPr>
+              <a:t> </a:t>
+            </a:r>
+            <a:r>
+              <a:rPr lang="en-US" sz="1800" dirty="0">
+                <a:effectLst/>
+                <a:latin typeface="Times New Roman" panose="02020603050405020304" pitchFamily="18" charset="0"/>
+                <a:ea typeface="Times New Roman" panose="02020603050405020304" pitchFamily="18" charset="0"/>
+              </a:rPr>
+              <a:t>comments</a:t>
+            </a:r>
+            <a:r>
+              <a:rPr lang="en-US" sz="1800" spc="-35" dirty="0">
+                <a:effectLst/>
+                <a:latin typeface="Times New Roman" panose="02020603050405020304" pitchFamily="18" charset="0"/>
+                <a:ea typeface="Times New Roman" panose="02020603050405020304" pitchFamily="18" charset="0"/>
+              </a:rPr>
+              <a:t> </a:t>
+            </a:r>
+            <a:r>
+              <a:rPr lang="en-US" sz="1800" dirty="0">
+                <a:effectLst/>
+                <a:latin typeface="Times New Roman" panose="02020603050405020304" pitchFamily="18" charset="0"/>
+                <a:ea typeface="Times New Roman" panose="02020603050405020304" pitchFamily="18" charset="0"/>
+              </a:rPr>
+              <a:t>according</a:t>
             </a:r>
             <a:r>
               <a:rPr lang="en-US" sz="1800" spc="-40" dirty="0">
@@ -9850,7 +9292,7 @@
                 <a:latin typeface="Times New Roman" panose="02020603050405020304" pitchFamily="18" charset="0"/>
                 <a:ea typeface="Times New Roman" panose="02020603050405020304" pitchFamily="18" charset="0"/>
               </a:rPr>
-              <a:t>and</a:t>
+              <a:t>to</a:t>
             </a:r>
             <a:r>
               <a:rPr lang="en-US" sz="1800" spc="-20" dirty="0">
@@ -9866,10 +9308,10 @@
                 <a:latin typeface="Times New Roman" panose="02020603050405020304" pitchFamily="18" charset="0"/>
                 <a:ea typeface="Times New Roman" panose="02020603050405020304" pitchFamily="18" charset="0"/>
               </a:rPr>
-              <a:t>social</a:t>
-            </a:r>
-            <a:r>
-              <a:rPr lang="en-US" sz="1800" spc="-30" dirty="0">
+              <a:t>the</a:t>
+            </a:r>
+            <a:r>
+              <a:rPr lang="en-US" sz="1800" spc="-25" dirty="0">
                 <a:effectLst/>
                 <a:latin typeface="Times New Roman" panose="02020603050405020304" pitchFamily="18" charset="0"/>
                 <a:ea typeface="Times New Roman" panose="02020603050405020304" pitchFamily="18" charset="0"/>
@@ -9882,10 +9324,24 @@
                 <a:latin typeface="Times New Roman" panose="02020603050405020304" pitchFamily="18" charset="0"/>
                 <a:ea typeface="Times New Roman" panose="02020603050405020304" pitchFamily="18" charset="0"/>
               </a:rPr>
-              <a:t>structures."</a:t>
-            </a:r>
-            <a:r>
-              <a:rPr lang="en-US" sz="1800" spc="-35" dirty="0">
+              <a:t>common pre-processing procedures. </a:t>
+            </a:r>
+          </a:p>
+          <a:p>
+            <a:pPr>
+              <a:buFont typeface="Wingdings" panose="05000000000000000000" pitchFamily="2" charset="2"/>
+              <a:buChar char="Ø"/>
+            </a:pPr>
+            <a:r>
+              <a:rPr lang="en-US" sz="1800" dirty="0">
+                <a:effectLst/>
+                <a:latin typeface="Times New Roman" panose="02020603050405020304" pitchFamily="18" charset="0"/>
+                <a:ea typeface="Times New Roman" panose="02020603050405020304" pitchFamily="18" charset="0"/>
+              </a:rPr>
+              <a:t>As the third step, the system processes a critical step which is called classification. To do that, a classification model is created using the machine learning algorithm; Naïve Bayes. Apart from that, the model is</a:t>
+            </a:r>
+            <a:r>
+              <a:rPr lang="en-US" sz="1800" spc="-65" dirty="0">
                 <a:effectLst/>
                 <a:latin typeface="Times New Roman" panose="02020603050405020304" pitchFamily="18" charset="0"/>
                 <a:ea typeface="Times New Roman" panose="02020603050405020304" pitchFamily="18" charset="0"/>
@@ -9898,10 +9354,10 @@
                 <a:latin typeface="Times New Roman" panose="02020603050405020304" pitchFamily="18" charset="0"/>
                 <a:ea typeface="Times New Roman" panose="02020603050405020304" pitchFamily="18" charset="0"/>
               </a:rPr>
-              <a:t>Ontology</a:t>
-            </a:r>
-            <a:r>
-              <a:rPr lang="en-US" sz="1800" spc="-30" dirty="0">
+              <a:t>trained</a:t>
+            </a:r>
+            <a:r>
+              <a:rPr lang="en-US" sz="1800" spc="-55" dirty="0">
                 <a:effectLst/>
                 <a:latin typeface="Times New Roman" panose="02020603050405020304" pitchFamily="18" charset="0"/>
                 <a:ea typeface="Times New Roman" panose="02020603050405020304" pitchFamily="18" charset="0"/>
@@ -9914,10 +9370,10 @@
                 <a:latin typeface="Times New Roman" panose="02020603050405020304" pitchFamily="18" charset="0"/>
                 <a:ea typeface="Times New Roman" panose="02020603050405020304" pitchFamily="18" charset="0"/>
               </a:rPr>
-              <a:t>is</a:t>
-            </a:r>
-            <a:r>
-              <a:rPr lang="en-US" sz="1800" spc="-40" dirty="0">
+              <a:t>using</a:t>
+            </a:r>
+            <a:r>
+              <a:rPr lang="en-US" sz="1800" spc="-70" dirty="0">
                 <a:effectLst/>
                 <a:latin typeface="Times New Roman" panose="02020603050405020304" pitchFamily="18" charset="0"/>
                 <a:ea typeface="Times New Roman" panose="02020603050405020304" pitchFamily="18" charset="0"/>
@@ -9930,10 +9386,10 @@
                 <a:latin typeface="Times New Roman" panose="02020603050405020304" pitchFamily="18" charset="0"/>
                 <a:ea typeface="Times New Roman" panose="02020603050405020304" pitchFamily="18" charset="0"/>
               </a:rPr>
-              <a:t>the</a:t>
-            </a:r>
-            <a:r>
-              <a:rPr lang="en-US" sz="1800" spc="-40" dirty="0">
+              <a:t>an</a:t>
+            </a:r>
+            <a:r>
+              <a:rPr lang="en-US" sz="1800" spc="-65" dirty="0">
                 <a:effectLst/>
                 <a:latin typeface="Times New Roman" panose="02020603050405020304" pitchFamily="18" charset="0"/>
                 <a:ea typeface="Times New Roman" panose="02020603050405020304" pitchFamily="18" charset="0"/>
@@ -9946,10 +9402,116 @@
                 <a:latin typeface="Times New Roman" panose="02020603050405020304" pitchFamily="18" charset="0"/>
                 <a:ea typeface="Times New Roman" panose="02020603050405020304" pitchFamily="18" charset="0"/>
               </a:rPr>
-              <a:t>study of reality and our convictions about things. </a:t>
-            </a:r>
-          </a:p>
-          <a:p>
+              <a:t>existing</a:t>
+            </a:r>
+            <a:r>
+              <a:rPr lang="en-US" sz="1800" spc="-65" dirty="0">
+                <a:effectLst/>
+                <a:latin typeface="Times New Roman" panose="02020603050405020304" pitchFamily="18" charset="0"/>
+                <a:ea typeface="Times New Roman" panose="02020603050405020304" pitchFamily="18" charset="0"/>
+              </a:rPr>
+              <a:t> </a:t>
+            </a:r>
+            <a:r>
+              <a:rPr lang="en-US" sz="1800" dirty="0">
+                <a:effectLst/>
+                <a:latin typeface="Times New Roman" panose="02020603050405020304" pitchFamily="18" charset="0"/>
+                <a:ea typeface="Times New Roman" panose="02020603050405020304" pitchFamily="18" charset="0"/>
+              </a:rPr>
+              <a:t>data</a:t>
+            </a:r>
+            <a:r>
+              <a:rPr lang="en-US" sz="1800" spc="-60" dirty="0">
+                <a:effectLst/>
+                <a:latin typeface="Times New Roman" panose="02020603050405020304" pitchFamily="18" charset="0"/>
+                <a:ea typeface="Times New Roman" panose="02020603050405020304" pitchFamily="18" charset="0"/>
+              </a:rPr>
+              <a:t> </a:t>
+            </a:r>
+            <a:r>
+              <a:rPr lang="en-US" sz="1800" dirty="0">
+                <a:effectLst/>
+                <a:latin typeface="Times New Roman" panose="02020603050405020304" pitchFamily="18" charset="0"/>
+                <a:ea typeface="Times New Roman" panose="02020603050405020304" pitchFamily="18" charset="0"/>
+              </a:rPr>
+              <a:t>set.</a:t>
+            </a:r>
+            <a:r>
+              <a:rPr lang="en-US" sz="1800" spc="-55" dirty="0">
+                <a:effectLst/>
+                <a:latin typeface="Times New Roman" panose="02020603050405020304" pitchFamily="18" charset="0"/>
+                <a:ea typeface="Times New Roman" panose="02020603050405020304" pitchFamily="18" charset="0"/>
+              </a:rPr>
+              <a:t> </a:t>
+            </a:r>
+          </a:p>
+          <a:p>
+            <a:pPr>
+              <a:buFont typeface="Wingdings" panose="05000000000000000000" pitchFamily="2" charset="2"/>
+              <a:buChar char="Ø"/>
+            </a:pPr>
+            <a:r>
+              <a:rPr lang="en-US" sz="1800" dirty="0">
+                <a:effectLst/>
+                <a:latin typeface="Times New Roman" panose="02020603050405020304" pitchFamily="18" charset="0"/>
+                <a:ea typeface="Times New Roman" panose="02020603050405020304" pitchFamily="18" charset="0"/>
+              </a:rPr>
+              <a:t>Finally,</a:t>
+            </a:r>
+            <a:r>
+              <a:rPr lang="en-US" sz="1800" spc="-60" dirty="0">
+                <a:effectLst/>
+                <a:latin typeface="Times New Roman" panose="02020603050405020304" pitchFamily="18" charset="0"/>
+                <a:ea typeface="Times New Roman" panose="02020603050405020304" pitchFamily="18" charset="0"/>
+              </a:rPr>
+              <a:t> </a:t>
+            </a:r>
+            <a:r>
+              <a:rPr lang="en-US" sz="1800" dirty="0">
+                <a:effectLst/>
+                <a:latin typeface="Times New Roman" panose="02020603050405020304" pitchFamily="18" charset="0"/>
+                <a:ea typeface="Times New Roman" panose="02020603050405020304" pitchFamily="18" charset="0"/>
+              </a:rPr>
+              <a:t>by</a:t>
+            </a:r>
+            <a:r>
+              <a:rPr lang="en-US" sz="1800" spc="-85" dirty="0">
+                <a:effectLst/>
+                <a:latin typeface="Times New Roman" panose="02020603050405020304" pitchFamily="18" charset="0"/>
+                <a:ea typeface="Times New Roman" panose="02020603050405020304" pitchFamily="18" charset="0"/>
+              </a:rPr>
+              <a:t> </a:t>
+            </a:r>
+            <a:r>
+              <a:rPr lang="en-US" sz="1800" dirty="0">
+                <a:effectLst/>
+                <a:latin typeface="Times New Roman" panose="02020603050405020304" pitchFamily="18" charset="0"/>
+                <a:ea typeface="Times New Roman" panose="02020603050405020304" pitchFamily="18" charset="0"/>
+              </a:rPr>
+              <a:t>comparing</a:t>
+            </a:r>
+            <a:r>
+              <a:rPr lang="en-US" sz="1800" spc="-65" dirty="0">
+                <a:effectLst/>
+                <a:latin typeface="Times New Roman" panose="02020603050405020304" pitchFamily="18" charset="0"/>
+                <a:ea typeface="Times New Roman" panose="02020603050405020304" pitchFamily="18" charset="0"/>
+              </a:rPr>
+              <a:t> </a:t>
+            </a:r>
+            <a:r>
+              <a:rPr lang="en-US" sz="1800" dirty="0">
+                <a:effectLst/>
+                <a:latin typeface="Times New Roman" panose="02020603050405020304" pitchFamily="18" charset="0"/>
+                <a:ea typeface="Times New Roman" panose="02020603050405020304" pitchFamily="18" charset="0"/>
+              </a:rPr>
+              <a:t>the keywords, the system classifies human emotions.</a:t>
+            </a:r>
+          </a:p>
+          <a:p>
+            <a:pPr>
+              <a:buFont typeface="Wingdings" panose="05000000000000000000" pitchFamily="2" charset="2"/>
+              <a:buChar char="Ø"/>
+            </a:pPr>
             <a:endParaRPr lang="en-US" sz="1800" dirty="0">
               <a:latin typeface="Times New Roman" panose="02020603050405020304" pitchFamily="18" charset="0"/>
             </a:endParaRPr>
@@ -9961,16 +9523,162 @@
                 <a:latin typeface="Times New Roman" panose="02020603050405020304" pitchFamily="18" charset="0"/>
                 <a:ea typeface="Times New Roman" panose="02020603050405020304" pitchFamily="18" charset="0"/>
               </a:rPr>
-              <a:t>Bryman (2008) defines social ontology as the philosophical significance ascribed to social actors' social world. They assume what people think is deciding whether there is a truth that exists separately from human conceptions and interpretations and whether there is an everyday reality or several context-specific ones</a:t>
-            </a:r>
-            <a:endParaRPr lang="en-US" dirty="0"/>
+              <a:t>The classification</a:t>
+            </a:r>
+            <a:r>
+              <a:rPr lang="en-US" sz="1800" spc="-65" dirty="0">
+                <a:effectLst/>
+                <a:latin typeface="Times New Roman" panose="02020603050405020304" pitchFamily="18" charset="0"/>
+                <a:ea typeface="Times New Roman" panose="02020603050405020304" pitchFamily="18" charset="0"/>
+              </a:rPr>
+              <a:t> </a:t>
+            </a:r>
+            <a:r>
+              <a:rPr lang="en-US" sz="1800" dirty="0">
+                <a:effectLst/>
+                <a:latin typeface="Times New Roman" panose="02020603050405020304" pitchFamily="18" charset="0"/>
+                <a:ea typeface="Times New Roman" panose="02020603050405020304" pitchFamily="18" charset="0"/>
+              </a:rPr>
+              <a:t>process</a:t>
+            </a:r>
+            <a:r>
+              <a:rPr lang="en-US" sz="1800" spc="-60" dirty="0">
+                <a:effectLst/>
+                <a:latin typeface="Times New Roman" panose="02020603050405020304" pitchFamily="18" charset="0"/>
+                <a:ea typeface="Times New Roman" panose="02020603050405020304" pitchFamily="18" charset="0"/>
+              </a:rPr>
+              <a:t> </a:t>
+            </a:r>
+            <a:r>
+              <a:rPr lang="en-US" sz="1800" dirty="0">
+                <a:effectLst/>
+                <a:latin typeface="Times New Roman" panose="02020603050405020304" pitchFamily="18" charset="0"/>
+                <a:ea typeface="Times New Roman" panose="02020603050405020304" pitchFamily="18" charset="0"/>
+              </a:rPr>
+              <a:t>is</a:t>
+            </a:r>
+            <a:r>
+              <a:rPr lang="en-US" sz="1800" spc="-65" dirty="0">
+                <a:effectLst/>
+                <a:latin typeface="Times New Roman" panose="02020603050405020304" pitchFamily="18" charset="0"/>
+                <a:ea typeface="Times New Roman" panose="02020603050405020304" pitchFamily="18" charset="0"/>
+              </a:rPr>
+              <a:t> </a:t>
+            </a:r>
+            <a:r>
+              <a:rPr lang="en-US" sz="1800" dirty="0">
+                <a:effectLst/>
+                <a:latin typeface="Times New Roman" panose="02020603050405020304" pitchFamily="18" charset="0"/>
+                <a:ea typeface="Times New Roman" panose="02020603050405020304" pitchFamily="18" charset="0"/>
+              </a:rPr>
+              <a:t>done</a:t>
+            </a:r>
+            <a:r>
+              <a:rPr lang="en-US" sz="1800" spc="-55" dirty="0">
+                <a:effectLst/>
+                <a:latin typeface="Times New Roman" panose="02020603050405020304" pitchFamily="18" charset="0"/>
+                <a:ea typeface="Times New Roman" panose="02020603050405020304" pitchFamily="18" charset="0"/>
+              </a:rPr>
+              <a:t> </a:t>
+            </a:r>
+            <a:r>
+              <a:rPr lang="en-US" sz="1800" dirty="0">
+                <a:effectLst/>
+                <a:latin typeface="Times New Roman" panose="02020603050405020304" pitchFamily="18" charset="0"/>
+                <a:ea typeface="Times New Roman" panose="02020603050405020304" pitchFamily="18" charset="0"/>
+              </a:rPr>
+              <a:t>for</a:t>
+            </a:r>
+            <a:r>
+              <a:rPr lang="en-US" sz="1800" spc="-50" dirty="0">
+                <a:effectLst/>
+                <a:latin typeface="Times New Roman" panose="02020603050405020304" pitchFamily="18" charset="0"/>
+                <a:ea typeface="Times New Roman" panose="02020603050405020304" pitchFamily="18" charset="0"/>
+              </a:rPr>
+              <a:t> </a:t>
+            </a:r>
+            <a:r>
+              <a:rPr lang="en-US" sz="1800" dirty="0">
+                <a:effectLst/>
+                <a:latin typeface="Times New Roman" panose="02020603050405020304" pitchFamily="18" charset="0"/>
+                <a:ea typeface="Times New Roman" panose="02020603050405020304" pitchFamily="18" charset="0"/>
+              </a:rPr>
+              <a:t>every</a:t>
+            </a:r>
+            <a:r>
+              <a:rPr lang="en-US" sz="1800" spc="-80" dirty="0">
+                <a:effectLst/>
+                <a:latin typeface="Times New Roman" panose="02020603050405020304" pitchFamily="18" charset="0"/>
+                <a:ea typeface="Times New Roman" panose="02020603050405020304" pitchFamily="18" charset="0"/>
+              </a:rPr>
+              <a:t> </a:t>
+            </a:r>
+            <a:r>
+              <a:rPr lang="en-US" sz="1800" dirty="0">
+                <a:effectLst/>
+                <a:latin typeface="Times New Roman" panose="02020603050405020304" pitchFamily="18" charset="0"/>
+                <a:ea typeface="Times New Roman" panose="02020603050405020304" pitchFamily="18" charset="0"/>
+              </a:rPr>
+              <a:t>hour</a:t>
+            </a:r>
+            <a:r>
+              <a:rPr lang="en-US" sz="1800" spc="-55" dirty="0">
+                <a:effectLst/>
+                <a:latin typeface="Times New Roman" panose="02020603050405020304" pitchFamily="18" charset="0"/>
+                <a:ea typeface="Times New Roman" panose="02020603050405020304" pitchFamily="18" charset="0"/>
+              </a:rPr>
+              <a:t> </a:t>
+            </a:r>
+            <a:r>
+              <a:rPr lang="en-US" sz="1800" dirty="0">
+                <a:effectLst/>
+                <a:latin typeface="Times New Roman" panose="02020603050405020304" pitchFamily="18" charset="0"/>
+                <a:ea typeface="Times New Roman" panose="02020603050405020304" pitchFamily="18" charset="0"/>
+              </a:rPr>
+              <a:t>and</a:t>
+            </a:r>
+            <a:r>
+              <a:rPr lang="en-US" sz="1800" spc="-55" dirty="0">
+                <a:effectLst/>
+                <a:latin typeface="Times New Roman" panose="02020603050405020304" pitchFamily="18" charset="0"/>
+                <a:ea typeface="Times New Roman" panose="02020603050405020304" pitchFamily="18" charset="0"/>
+              </a:rPr>
+              <a:t> </a:t>
+            </a:r>
+            <a:r>
+              <a:rPr lang="en-US" sz="1800" dirty="0">
+                <a:effectLst/>
+                <a:latin typeface="Times New Roman" panose="02020603050405020304" pitchFamily="18" charset="0"/>
+                <a:ea typeface="Times New Roman" panose="02020603050405020304" pitchFamily="18" charset="0"/>
+              </a:rPr>
+              <a:t>generates</a:t>
+            </a:r>
+            <a:r>
+              <a:rPr lang="en-US" sz="1800" spc="-60" dirty="0">
+                <a:effectLst/>
+                <a:latin typeface="Times New Roman" panose="02020603050405020304" pitchFamily="18" charset="0"/>
+                <a:ea typeface="Times New Roman" panose="02020603050405020304" pitchFamily="18" charset="0"/>
+              </a:rPr>
+              <a:t> </a:t>
+            </a:r>
+            <a:r>
+              <a:rPr lang="en-US" sz="1800" dirty="0">
+                <a:effectLst/>
+                <a:latin typeface="Times New Roman" panose="02020603050405020304" pitchFamily="18" charset="0"/>
+                <a:ea typeface="Times New Roman" panose="02020603050405020304" pitchFamily="18" charset="0"/>
+              </a:rPr>
+              <a:t>the highest occurring emotion as the output. Likewise, this process is continued for each and every hour to classify the emotions.</a:t>
+            </a:r>
+            <a:endParaRPr lang="en-US" sz="1800" dirty="0">
+              <a:latin typeface="Times New Roman" panose="02020603050405020304" pitchFamily="18" charset="0"/>
+            </a:endParaRPr>
           </a:p>
         </p:txBody>
       </p:sp>
     </p:spTree>
     <p:extLst>
       <p:ext uri="{BB962C8B-B14F-4D97-AF65-F5344CB8AC3E}">
-        <p14:creationId xmlns:p14="http://schemas.microsoft.com/office/powerpoint/2010/main" val="4229333819"/>
+        <p14:creationId xmlns:p14="http://schemas.microsoft.com/office/powerpoint/2010/main" val="3887659729"/>
       </p:ext>
     </p:extLst>
   </p:cSld>
